--- a/ppt/liuguang_deployment.pptx
+++ b/ppt/liuguang_deployment.pptx
@@ -5,14 +5,17 @@
     <p:sldMasterId id="2147483648" r:id="rId1"/>
   </p:sldMasterIdLst>
   <p:sldIdLst>
-    <p:sldId id="256" r:id="rId3"/>
-    <p:sldId id="262" r:id="rId4"/>
-    <p:sldId id="257" r:id="rId5"/>
-    <p:sldId id="258" r:id="rId6"/>
-    <p:sldId id="259" r:id="rId7"/>
+    <p:sldId id="256" r:id="rId2"/>
+    <p:sldId id="262" r:id="rId3"/>
+    <p:sldId id="257" r:id="rId4"/>
+    <p:sldId id="258" r:id="rId5"/>
+    <p:sldId id="259" r:id="rId6"/>
+    <p:sldId id="264" r:id="rId7"/>
     <p:sldId id="260" r:id="rId8"/>
     <p:sldId id="261" r:id="rId9"/>
     <p:sldId id="263" r:id="rId10"/>
+    <p:sldId id="266" r:id="rId11"/>
+    <p:sldId id="265" r:id="rId12"/>
   </p:sldIdLst>
   <p:sldSz cx="12192000" cy="6858000"/>
   <p:notesSz cx="6858000" cy="9144000"/>
@@ -111,6 +114,11 @@
       </a:defRPr>
     </a:lvl9pPr>
   </p:defaultTextStyle>
+  <p:extLst>
+    <p:ext uri="{EFAFB233-063F-42B5-8137-9DF3F51BA10A}">
+      <p15:sldGuideLst xmlns:p15="http://schemas.microsoft.com/office/powerpoint/2012/main"/>
+    </p:ext>
+  </p:extLst>
 </p:presentation>
 </file>
 
@@ -156,10 +164,9 @@
           </a:lstStyle>
           <a:p>
             <a:r>
-              <a:rPr lang="zh-CN" altLang="en-US" smtClean="0"/>
+              <a:rPr lang="zh-CN" altLang="en-US"/>
               <a:t>单击此处编辑母版标题样式</a:t>
             </a:r>
-            <a:endParaRPr lang="zh-CN" altLang="en-US"/>
           </a:p>
         </p:txBody>
       </p:sp>
@@ -221,10 +228,9 @@
           </a:lstStyle>
           <a:p>
             <a:r>
-              <a:rPr lang="zh-CN" altLang="en-US" smtClean="0"/>
+              <a:rPr lang="zh-CN" altLang="en-US"/>
               <a:t>单击此处编辑母版副标题样式</a:t>
             </a:r>
-            <a:endParaRPr lang="zh-CN" altLang="en-US"/>
           </a:p>
         </p:txBody>
       </p:sp>
@@ -245,6 +251,7 @@
           <a:p>
             <a:fld id="{D997B5FA-0921-464F-AAE1-844C04324D75}" type="datetimeFigureOut">
               <a:rPr lang="zh-CN" altLang="en-US" smtClean="0"/>
+              <a:t>2021/3/25</a:t>
             </a:fld>
             <a:endParaRPr lang="zh-CN" altLang="en-US"/>
           </a:p>
@@ -286,6 +293,7 @@
           <a:p>
             <a:fld id="{565CE74E-AB26-4998-AD42-012C4C1AD076}" type="slidenum">
               <a:rPr lang="zh-CN" altLang="en-US" smtClean="0"/>
+              <a:t>‹#›</a:t>
             </a:fld>
             <a:endParaRPr lang="zh-CN" altLang="en-US"/>
           </a:p>
@@ -332,10 +340,9 @@
           <a:lstStyle/>
           <a:p>
             <a:r>
-              <a:rPr lang="zh-CN" altLang="en-US" smtClean="0"/>
+              <a:rPr lang="zh-CN" altLang="en-US"/>
               <a:t>单击此处编辑母版标题样式</a:t>
             </a:r>
-            <a:endParaRPr lang="zh-CN" altLang="en-US"/>
           </a:p>
         </p:txBody>
       </p:sp>
@@ -356,42 +363,37 @@
           <a:p>
             <a:pPr lvl="0"/>
             <a:r>
-              <a:rPr lang="zh-CN" altLang="en-US" smtClean="0"/>
+              <a:rPr lang="zh-CN" altLang="en-US"/>
               <a:t>单击此处编辑母版文本样式</a:t>
             </a:r>
-            <a:endParaRPr lang="zh-CN" altLang="en-US" smtClean="0"/>
           </a:p>
           <a:p>
             <a:pPr lvl="1"/>
             <a:r>
-              <a:rPr lang="zh-CN" altLang="en-US" smtClean="0"/>
+              <a:rPr lang="zh-CN" altLang="en-US"/>
               <a:t>第二级</a:t>
             </a:r>
-            <a:endParaRPr lang="zh-CN" altLang="en-US" smtClean="0"/>
           </a:p>
           <a:p>
             <a:pPr lvl="2"/>
             <a:r>
-              <a:rPr lang="zh-CN" altLang="en-US" smtClean="0"/>
+              <a:rPr lang="zh-CN" altLang="en-US"/>
               <a:t>第三级</a:t>
             </a:r>
-            <a:endParaRPr lang="zh-CN" altLang="en-US" smtClean="0"/>
           </a:p>
           <a:p>
             <a:pPr lvl="3"/>
             <a:r>
-              <a:rPr lang="zh-CN" altLang="en-US" smtClean="0"/>
+              <a:rPr lang="zh-CN" altLang="en-US"/>
               <a:t>第四级</a:t>
             </a:r>
-            <a:endParaRPr lang="zh-CN" altLang="en-US" smtClean="0"/>
           </a:p>
           <a:p>
             <a:pPr lvl="4"/>
             <a:r>
-              <a:rPr lang="zh-CN" altLang="en-US" smtClean="0"/>
+              <a:rPr lang="zh-CN" altLang="en-US"/>
               <a:t>第五级</a:t>
             </a:r>
-            <a:endParaRPr lang="zh-CN" altLang="en-US"/>
           </a:p>
         </p:txBody>
       </p:sp>
@@ -412,6 +414,7 @@
           <a:p>
             <a:fld id="{D997B5FA-0921-464F-AAE1-844C04324D75}" type="datetimeFigureOut">
               <a:rPr lang="zh-CN" altLang="en-US" smtClean="0"/>
+              <a:t>2021/3/25</a:t>
             </a:fld>
             <a:endParaRPr lang="zh-CN" altLang="en-US"/>
           </a:p>
@@ -453,6 +456,7 @@
           <a:p>
             <a:fld id="{565CE74E-AB26-4998-AD42-012C4C1AD076}" type="slidenum">
               <a:rPr lang="zh-CN" altLang="en-US" smtClean="0"/>
+              <a:t>‹#›</a:t>
             </a:fld>
             <a:endParaRPr lang="zh-CN" altLang="en-US"/>
           </a:p>
@@ -504,10 +508,9 @@
           <a:lstStyle/>
           <a:p>
             <a:r>
-              <a:rPr lang="zh-CN" altLang="en-US" smtClean="0"/>
+              <a:rPr lang="zh-CN" altLang="en-US"/>
               <a:t>单击此处编辑母版标题样式</a:t>
             </a:r>
-            <a:endParaRPr lang="zh-CN" altLang="en-US"/>
           </a:p>
         </p:txBody>
       </p:sp>
@@ -533,42 +536,37 @@
           <a:p>
             <a:pPr lvl="0"/>
             <a:r>
-              <a:rPr lang="zh-CN" altLang="en-US" smtClean="0"/>
+              <a:rPr lang="zh-CN" altLang="en-US"/>
               <a:t>单击此处编辑母版文本样式</a:t>
             </a:r>
-            <a:endParaRPr lang="zh-CN" altLang="en-US" smtClean="0"/>
           </a:p>
           <a:p>
             <a:pPr lvl="1"/>
             <a:r>
-              <a:rPr lang="zh-CN" altLang="en-US" smtClean="0"/>
+              <a:rPr lang="zh-CN" altLang="en-US"/>
               <a:t>第二级</a:t>
             </a:r>
-            <a:endParaRPr lang="zh-CN" altLang="en-US" smtClean="0"/>
           </a:p>
           <a:p>
             <a:pPr lvl="2"/>
             <a:r>
-              <a:rPr lang="zh-CN" altLang="en-US" smtClean="0"/>
+              <a:rPr lang="zh-CN" altLang="en-US"/>
               <a:t>第三级</a:t>
             </a:r>
-            <a:endParaRPr lang="zh-CN" altLang="en-US" smtClean="0"/>
           </a:p>
           <a:p>
             <a:pPr lvl="3"/>
             <a:r>
-              <a:rPr lang="zh-CN" altLang="en-US" smtClean="0"/>
+              <a:rPr lang="zh-CN" altLang="en-US"/>
               <a:t>第四级</a:t>
             </a:r>
-            <a:endParaRPr lang="zh-CN" altLang="en-US" smtClean="0"/>
           </a:p>
           <a:p>
             <a:pPr lvl="4"/>
             <a:r>
-              <a:rPr lang="zh-CN" altLang="en-US" smtClean="0"/>
+              <a:rPr lang="zh-CN" altLang="en-US"/>
               <a:t>第五级</a:t>
             </a:r>
-            <a:endParaRPr lang="zh-CN" altLang="en-US"/>
           </a:p>
         </p:txBody>
       </p:sp>
@@ -589,6 +587,7 @@
           <a:p>
             <a:fld id="{D997B5FA-0921-464F-AAE1-844C04324D75}" type="datetimeFigureOut">
               <a:rPr lang="zh-CN" altLang="en-US" smtClean="0"/>
+              <a:t>2021/3/25</a:t>
             </a:fld>
             <a:endParaRPr lang="zh-CN" altLang="en-US"/>
           </a:p>
@@ -630,6 +629,7 @@
           <a:p>
             <a:fld id="{565CE74E-AB26-4998-AD42-012C4C1AD076}" type="slidenum">
               <a:rPr lang="zh-CN" altLang="en-US" smtClean="0"/>
+              <a:t>‹#›</a:t>
             </a:fld>
             <a:endParaRPr lang="zh-CN" altLang="en-US"/>
           </a:p>
@@ -676,10 +676,9 @@
           <a:lstStyle/>
           <a:p>
             <a:r>
-              <a:rPr lang="zh-CN" altLang="en-US" smtClean="0"/>
+              <a:rPr lang="zh-CN" altLang="en-US"/>
               <a:t>单击此处编辑母版标题样式</a:t>
             </a:r>
-            <a:endParaRPr lang="zh-CN" altLang="en-US"/>
           </a:p>
         </p:txBody>
       </p:sp>
@@ -700,42 +699,37 @@
           <a:p>
             <a:pPr lvl="0"/>
             <a:r>
-              <a:rPr lang="zh-CN" altLang="en-US" smtClean="0"/>
+              <a:rPr lang="zh-CN" altLang="en-US"/>
               <a:t>单击此处编辑母版文本样式</a:t>
             </a:r>
-            <a:endParaRPr lang="zh-CN" altLang="en-US" smtClean="0"/>
           </a:p>
           <a:p>
             <a:pPr lvl="1"/>
             <a:r>
-              <a:rPr lang="zh-CN" altLang="en-US" smtClean="0"/>
+              <a:rPr lang="zh-CN" altLang="en-US"/>
               <a:t>第二级</a:t>
             </a:r>
-            <a:endParaRPr lang="zh-CN" altLang="en-US" smtClean="0"/>
           </a:p>
           <a:p>
             <a:pPr lvl="2"/>
             <a:r>
-              <a:rPr lang="zh-CN" altLang="en-US" smtClean="0"/>
+              <a:rPr lang="zh-CN" altLang="en-US"/>
               <a:t>第三级</a:t>
             </a:r>
-            <a:endParaRPr lang="zh-CN" altLang="en-US" smtClean="0"/>
           </a:p>
           <a:p>
             <a:pPr lvl="3"/>
             <a:r>
-              <a:rPr lang="zh-CN" altLang="en-US" smtClean="0"/>
+              <a:rPr lang="zh-CN" altLang="en-US"/>
               <a:t>第四级</a:t>
             </a:r>
-            <a:endParaRPr lang="zh-CN" altLang="en-US" smtClean="0"/>
           </a:p>
           <a:p>
             <a:pPr lvl="4"/>
             <a:r>
-              <a:rPr lang="zh-CN" altLang="en-US" smtClean="0"/>
+              <a:rPr lang="zh-CN" altLang="en-US"/>
               <a:t>第五级</a:t>
             </a:r>
-            <a:endParaRPr lang="zh-CN" altLang="en-US"/>
           </a:p>
         </p:txBody>
       </p:sp>
@@ -756,6 +750,7 @@
           <a:p>
             <a:fld id="{D997B5FA-0921-464F-AAE1-844C04324D75}" type="datetimeFigureOut">
               <a:rPr lang="zh-CN" altLang="en-US" smtClean="0"/>
+              <a:t>2021/3/25</a:t>
             </a:fld>
             <a:endParaRPr lang="zh-CN" altLang="en-US"/>
           </a:p>
@@ -797,6 +792,7 @@
           <a:p>
             <a:fld id="{565CE74E-AB26-4998-AD42-012C4C1AD076}" type="slidenum">
               <a:rPr lang="zh-CN" altLang="en-US" smtClean="0"/>
+              <a:t>‹#›</a:t>
             </a:fld>
             <a:endParaRPr lang="zh-CN" altLang="en-US"/>
           </a:p>
@@ -852,10 +848,9 @@
           </a:lstStyle>
           <a:p>
             <a:r>
-              <a:rPr lang="zh-CN" altLang="en-US" smtClean="0"/>
+              <a:rPr lang="zh-CN" altLang="en-US"/>
               <a:t>单击此处编辑母版标题样式</a:t>
             </a:r>
-            <a:endParaRPr lang="zh-CN" altLang="en-US"/>
           </a:p>
         </p:txBody>
       </p:sp>
@@ -972,10 +967,9 @@
           <a:p>
             <a:pPr lvl="0"/>
             <a:r>
-              <a:rPr lang="zh-CN" altLang="en-US" smtClean="0"/>
+              <a:rPr lang="zh-CN" altLang="en-US"/>
               <a:t>单击此处编辑母版文本样式</a:t>
             </a:r>
-            <a:endParaRPr lang="zh-CN" altLang="en-US" smtClean="0"/>
           </a:p>
         </p:txBody>
       </p:sp>
@@ -996,6 +990,7 @@
           <a:p>
             <a:fld id="{D997B5FA-0921-464F-AAE1-844C04324D75}" type="datetimeFigureOut">
               <a:rPr lang="zh-CN" altLang="en-US" smtClean="0"/>
+              <a:t>2021/3/25</a:t>
             </a:fld>
             <a:endParaRPr lang="zh-CN" altLang="en-US"/>
           </a:p>
@@ -1037,6 +1032,7 @@
           <a:p>
             <a:fld id="{565CE74E-AB26-4998-AD42-012C4C1AD076}" type="slidenum">
               <a:rPr lang="zh-CN" altLang="en-US" smtClean="0"/>
+              <a:t>‹#›</a:t>
             </a:fld>
             <a:endParaRPr lang="zh-CN" altLang="en-US"/>
           </a:p>
@@ -1083,10 +1079,9 @@
           <a:lstStyle/>
           <a:p>
             <a:r>
-              <a:rPr lang="zh-CN" altLang="en-US" smtClean="0"/>
+              <a:rPr lang="zh-CN" altLang="en-US"/>
               <a:t>单击此处编辑母版标题样式</a:t>
             </a:r>
-            <a:endParaRPr lang="zh-CN" altLang="en-US"/>
           </a:p>
         </p:txBody>
       </p:sp>
@@ -1112,42 +1107,37 @@
           <a:p>
             <a:pPr lvl="0"/>
             <a:r>
-              <a:rPr lang="zh-CN" altLang="en-US" smtClean="0"/>
+              <a:rPr lang="zh-CN" altLang="en-US"/>
               <a:t>单击此处编辑母版文本样式</a:t>
             </a:r>
-            <a:endParaRPr lang="zh-CN" altLang="en-US" smtClean="0"/>
           </a:p>
           <a:p>
             <a:pPr lvl="1"/>
             <a:r>
-              <a:rPr lang="zh-CN" altLang="en-US" smtClean="0"/>
+              <a:rPr lang="zh-CN" altLang="en-US"/>
               <a:t>第二级</a:t>
             </a:r>
-            <a:endParaRPr lang="zh-CN" altLang="en-US" smtClean="0"/>
           </a:p>
           <a:p>
             <a:pPr lvl="2"/>
             <a:r>
-              <a:rPr lang="zh-CN" altLang="en-US" smtClean="0"/>
+              <a:rPr lang="zh-CN" altLang="en-US"/>
               <a:t>第三级</a:t>
             </a:r>
-            <a:endParaRPr lang="zh-CN" altLang="en-US" smtClean="0"/>
           </a:p>
           <a:p>
             <a:pPr lvl="3"/>
             <a:r>
-              <a:rPr lang="zh-CN" altLang="en-US" smtClean="0"/>
+              <a:rPr lang="zh-CN" altLang="en-US"/>
               <a:t>第四级</a:t>
             </a:r>
-            <a:endParaRPr lang="zh-CN" altLang="en-US" smtClean="0"/>
           </a:p>
           <a:p>
             <a:pPr lvl="4"/>
             <a:r>
-              <a:rPr lang="zh-CN" altLang="en-US" smtClean="0"/>
+              <a:rPr lang="zh-CN" altLang="en-US"/>
               <a:t>第五级</a:t>
             </a:r>
-            <a:endParaRPr lang="zh-CN" altLang="en-US"/>
           </a:p>
         </p:txBody>
       </p:sp>
@@ -1173,42 +1163,37 @@
           <a:p>
             <a:pPr lvl="0"/>
             <a:r>
-              <a:rPr lang="zh-CN" altLang="en-US" smtClean="0"/>
+              <a:rPr lang="zh-CN" altLang="en-US"/>
               <a:t>单击此处编辑母版文本样式</a:t>
             </a:r>
-            <a:endParaRPr lang="zh-CN" altLang="en-US" smtClean="0"/>
           </a:p>
           <a:p>
             <a:pPr lvl="1"/>
             <a:r>
-              <a:rPr lang="zh-CN" altLang="en-US" smtClean="0"/>
+              <a:rPr lang="zh-CN" altLang="en-US"/>
               <a:t>第二级</a:t>
             </a:r>
-            <a:endParaRPr lang="zh-CN" altLang="en-US" smtClean="0"/>
           </a:p>
           <a:p>
             <a:pPr lvl="2"/>
             <a:r>
-              <a:rPr lang="zh-CN" altLang="en-US" smtClean="0"/>
+              <a:rPr lang="zh-CN" altLang="en-US"/>
               <a:t>第三级</a:t>
             </a:r>
-            <a:endParaRPr lang="zh-CN" altLang="en-US" smtClean="0"/>
           </a:p>
           <a:p>
             <a:pPr lvl="3"/>
             <a:r>
-              <a:rPr lang="zh-CN" altLang="en-US" smtClean="0"/>
+              <a:rPr lang="zh-CN" altLang="en-US"/>
               <a:t>第四级</a:t>
             </a:r>
-            <a:endParaRPr lang="zh-CN" altLang="en-US" smtClean="0"/>
           </a:p>
           <a:p>
             <a:pPr lvl="4"/>
             <a:r>
-              <a:rPr lang="zh-CN" altLang="en-US" smtClean="0"/>
+              <a:rPr lang="zh-CN" altLang="en-US"/>
               <a:t>第五级</a:t>
             </a:r>
-            <a:endParaRPr lang="zh-CN" altLang="en-US"/>
           </a:p>
         </p:txBody>
       </p:sp>
@@ -1229,6 +1214,7 @@
           <a:p>
             <a:fld id="{D997B5FA-0921-464F-AAE1-844C04324D75}" type="datetimeFigureOut">
               <a:rPr lang="zh-CN" altLang="en-US" smtClean="0"/>
+              <a:t>2021/3/25</a:t>
             </a:fld>
             <a:endParaRPr lang="zh-CN" altLang="en-US"/>
           </a:p>
@@ -1270,6 +1256,7 @@
           <a:p>
             <a:fld id="{565CE74E-AB26-4998-AD42-012C4C1AD076}" type="slidenum">
               <a:rPr lang="zh-CN" altLang="en-US" smtClean="0"/>
+              <a:t>‹#›</a:t>
             </a:fld>
             <a:endParaRPr lang="zh-CN" altLang="en-US"/>
           </a:p>
@@ -1321,10 +1308,9 @@
           <a:lstStyle/>
           <a:p>
             <a:r>
-              <a:rPr lang="zh-CN" altLang="en-US" smtClean="0"/>
+              <a:rPr lang="zh-CN" altLang="en-US"/>
               <a:t>单击此处编辑母版标题样式</a:t>
             </a:r>
-            <a:endParaRPr lang="zh-CN" altLang="en-US"/>
           </a:p>
         </p:txBody>
       </p:sp>
@@ -1387,10 +1373,9 @@
           <a:p>
             <a:pPr lvl="0"/>
             <a:r>
-              <a:rPr lang="zh-CN" altLang="en-US" smtClean="0"/>
+              <a:rPr lang="zh-CN" altLang="en-US"/>
               <a:t>单击此处编辑母版文本样式</a:t>
             </a:r>
-            <a:endParaRPr lang="zh-CN" altLang="en-US" smtClean="0"/>
           </a:p>
         </p:txBody>
       </p:sp>
@@ -1416,42 +1401,37 @@
           <a:p>
             <a:pPr lvl="0"/>
             <a:r>
-              <a:rPr lang="zh-CN" altLang="en-US" smtClean="0"/>
+              <a:rPr lang="zh-CN" altLang="en-US"/>
               <a:t>单击此处编辑母版文本样式</a:t>
             </a:r>
-            <a:endParaRPr lang="zh-CN" altLang="en-US" smtClean="0"/>
           </a:p>
           <a:p>
             <a:pPr lvl="1"/>
             <a:r>
-              <a:rPr lang="zh-CN" altLang="en-US" smtClean="0"/>
+              <a:rPr lang="zh-CN" altLang="en-US"/>
               <a:t>第二级</a:t>
             </a:r>
-            <a:endParaRPr lang="zh-CN" altLang="en-US" smtClean="0"/>
           </a:p>
           <a:p>
             <a:pPr lvl="2"/>
             <a:r>
-              <a:rPr lang="zh-CN" altLang="en-US" smtClean="0"/>
+              <a:rPr lang="zh-CN" altLang="en-US"/>
               <a:t>第三级</a:t>
             </a:r>
-            <a:endParaRPr lang="zh-CN" altLang="en-US" smtClean="0"/>
           </a:p>
           <a:p>
             <a:pPr lvl="3"/>
             <a:r>
-              <a:rPr lang="zh-CN" altLang="en-US" smtClean="0"/>
+              <a:rPr lang="zh-CN" altLang="en-US"/>
               <a:t>第四级</a:t>
             </a:r>
-            <a:endParaRPr lang="zh-CN" altLang="en-US" smtClean="0"/>
           </a:p>
           <a:p>
             <a:pPr lvl="4"/>
             <a:r>
-              <a:rPr lang="zh-CN" altLang="en-US" smtClean="0"/>
+              <a:rPr lang="zh-CN" altLang="en-US"/>
               <a:t>第五级</a:t>
             </a:r>
-            <a:endParaRPr lang="zh-CN" altLang="en-US"/>
           </a:p>
         </p:txBody>
       </p:sp>
@@ -1514,10 +1494,9 @@
           <a:p>
             <a:pPr lvl="0"/>
             <a:r>
-              <a:rPr lang="zh-CN" altLang="en-US" smtClean="0"/>
+              <a:rPr lang="zh-CN" altLang="en-US"/>
               <a:t>单击此处编辑母版文本样式</a:t>
             </a:r>
-            <a:endParaRPr lang="zh-CN" altLang="en-US" smtClean="0"/>
           </a:p>
         </p:txBody>
       </p:sp>
@@ -1543,42 +1522,37 @@
           <a:p>
             <a:pPr lvl="0"/>
             <a:r>
-              <a:rPr lang="zh-CN" altLang="en-US" smtClean="0"/>
+              <a:rPr lang="zh-CN" altLang="en-US"/>
               <a:t>单击此处编辑母版文本样式</a:t>
             </a:r>
-            <a:endParaRPr lang="zh-CN" altLang="en-US" smtClean="0"/>
           </a:p>
           <a:p>
             <a:pPr lvl="1"/>
             <a:r>
-              <a:rPr lang="zh-CN" altLang="en-US" smtClean="0"/>
+              <a:rPr lang="zh-CN" altLang="en-US"/>
               <a:t>第二级</a:t>
             </a:r>
-            <a:endParaRPr lang="zh-CN" altLang="en-US" smtClean="0"/>
           </a:p>
           <a:p>
             <a:pPr lvl="2"/>
             <a:r>
-              <a:rPr lang="zh-CN" altLang="en-US" smtClean="0"/>
+              <a:rPr lang="zh-CN" altLang="en-US"/>
               <a:t>第三级</a:t>
             </a:r>
-            <a:endParaRPr lang="zh-CN" altLang="en-US" smtClean="0"/>
           </a:p>
           <a:p>
             <a:pPr lvl="3"/>
             <a:r>
-              <a:rPr lang="zh-CN" altLang="en-US" smtClean="0"/>
+              <a:rPr lang="zh-CN" altLang="en-US"/>
               <a:t>第四级</a:t>
             </a:r>
-            <a:endParaRPr lang="zh-CN" altLang="en-US" smtClean="0"/>
           </a:p>
           <a:p>
             <a:pPr lvl="4"/>
             <a:r>
-              <a:rPr lang="zh-CN" altLang="en-US" smtClean="0"/>
+              <a:rPr lang="zh-CN" altLang="en-US"/>
               <a:t>第五级</a:t>
             </a:r>
-            <a:endParaRPr lang="zh-CN" altLang="en-US"/>
           </a:p>
         </p:txBody>
       </p:sp>
@@ -1599,6 +1573,7 @@
           <a:p>
             <a:fld id="{D997B5FA-0921-464F-AAE1-844C04324D75}" type="datetimeFigureOut">
               <a:rPr lang="zh-CN" altLang="en-US" smtClean="0"/>
+              <a:t>2021/3/25</a:t>
             </a:fld>
             <a:endParaRPr lang="zh-CN" altLang="en-US"/>
           </a:p>
@@ -1640,6 +1615,7 @@
           <a:p>
             <a:fld id="{565CE74E-AB26-4998-AD42-012C4C1AD076}" type="slidenum">
               <a:rPr lang="zh-CN" altLang="en-US" smtClean="0"/>
+              <a:t>‹#›</a:t>
             </a:fld>
             <a:endParaRPr lang="zh-CN" altLang="en-US"/>
           </a:p>
@@ -1686,10 +1662,9 @@
           <a:lstStyle/>
           <a:p>
             <a:r>
-              <a:rPr lang="zh-CN" altLang="en-US" smtClean="0"/>
+              <a:rPr lang="zh-CN" altLang="en-US"/>
               <a:t>单击此处编辑母版标题样式</a:t>
             </a:r>
-            <a:endParaRPr lang="zh-CN" altLang="en-US"/>
           </a:p>
         </p:txBody>
       </p:sp>
@@ -1710,6 +1685,7 @@
           <a:p>
             <a:fld id="{D997B5FA-0921-464F-AAE1-844C04324D75}" type="datetimeFigureOut">
               <a:rPr lang="zh-CN" altLang="en-US" smtClean="0"/>
+              <a:t>2021/3/25</a:t>
             </a:fld>
             <a:endParaRPr lang="zh-CN" altLang="en-US"/>
           </a:p>
@@ -1751,6 +1727,7 @@
           <a:p>
             <a:fld id="{565CE74E-AB26-4998-AD42-012C4C1AD076}" type="slidenum">
               <a:rPr lang="zh-CN" altLang="en-US" smtClean="0"/>
+              <a:t>‹#›</a:t>
             </a:fld>
             <a:endParaRPr lang="zh-CN" altLang="en-US"/>
           </a:p>
@@ -1798,6 +1775,7 @@
           <a:p>
             <a:fld id="{D997B5FA-0921-464F-AAE1-844C04324D75}" type="datetimeFigureOut">
               <a:rPr lang="zh-CN" altLang="en-US" smtClean="0"/>
+              <a:t>2021/3/25</a:t>
             </a:fld>
             <a:endParaRPr lang="zh-CN" altLang="en-US"/>
           </a:p>
@@ -1839,6 +1817,7 @@
           <a:p>
             <a:fld id="{565CE74E-AB26-4998-AD42-012C4C1AD076}" type="slidenum">
               <a:rPr lang="zh-CN" altLang="en-US" smtClean="0"/>
+              <a:t>‹#›</a:t>
             </a:fld>
             <a:endParaRPr lang="zh-CN" altLang="en-US"/>
           </a:p>
@@ -1894,10 +1873,9 @@
           </a:lstStyle>
           <a:p>
             <a:r>
-              <a:rPr lang="zh-CN" altLang="en-US" smtClean="0"/>
+              <a:rPr lang="zh-CN" altLang="en-US"/>
               <a:t>单击此处编辑母版标题样式</a:t>
             </a:r>
-            <a:endParaRPr lang="zh-CN" altLang="en-US"/>
           </a:p>
         </p:txBody>
       </p:sp>
@@ -1951,42 +1929,37 @@
           <a:p>
             <a:pPr lvl="0"/>
             <a:r>
-              <a:rPr lang="zh-CN" altLang="en-US" smtClean="0"/>
+              <a:rPr lang="zh-CN" altLang="en-US"/>
               <a:t>单击此处编辑母版文本样式</a:t>
             </a:r>
-            <a:endParaRPr lang="zh-CN" altLang="en-US" smtClean="0"/>
           </a:p>
           <a:p>
             <a:pPr lvl="1"/>
             <a:r>
-              <a:rPr lang="zh-CN" altLang="en-US" smtClean="0"/>
+              <a:rPr lang="zh-CN" altLang="en-US"/>
               <a:t>第二级</a:t>
             </a:r>
-            <a:endParaRPr lang="zh-CN" altLang="en-US" smtClean="0"/>
           </a:p>
           <a:p>
             <a:pPr lvl="2"/>
             <a:r>
-              <a:rPr lang="zh-CN" altLang="en-US" smtClean="0"/>
+              <a:rPr lang="zh-CN" altLang="en-US"/>
               <a:t>第三级</a:t>
             </a:r>
-            <a:endParaRPr lang="zh-CN" altLang="en-US" smtClean="0"/>
           </a:p>
           <a:p>
             <a:pPr lvl="3"/>
             <a:r>
-              <a:rPr lang="zh-CN" altLang="en-US" smtClean="0"/>
+              <a:rPr lang="zh-CN" altLang="en-US"/>
               <a:t>第四级</a:t>
             </a:r>
-            <a:endParaRPr lang="zh-CN" altLang="en-US" smtClean="0"/>
           </a:p>
           <a:p>
             <a:pPr lvl="4"/>
             <a:r>
-              <a:rPr lang="zh-CN" altLang="en-US" smtClean="0"/>
+              <a:rPr lang="zh-CN" altLang="en-US"/>
               <a:t>第五级</a:t>
             </a:r>
-            <a:endParaRPr lang="zh-CN" altLang="en-US"/>
           </a:p>
         </p:txBody>
       </p:sp>
@@ -2049,10 +2022,9 @@
           <a:p>
             <a:pPr lvl="0"/>
             <a:r>
-              <a:rPr lang="zh-CN" altLang="en-US" smtClean="0"/>
+              <a:rPr lang="zh-CN" altLang="en-US"/>
               <a:t>单击此处编辑母版文本样式</a:t>
             </a:r>
-            <a:endParaRPr lang="zh-CN" altLang="en-US" smtClean="0"/>
           </a:p>
         </p:txBody>
       </p:sp>
@@ -2073,6 +2045,7 @@
           <a:p>
             <a:fld id="{D997B5FA-0921-464F-AAE1-844C04324D75}" type="datetimeFigureOut">
               <a:rPr lang="zh-CN" altLang="en-US" smtClean="0"/>
+              <a:t>2021/3/25</a:t>
             </a:fld>
             <a:endParaRPr lang="zh-CN" altLang="en-US"/>
           </a:p>
@@ -2114,6 +2087,7 @@
           <a:p>
             <a:fld id="{565CE74E-AB26-4998-AD42-012C4C1AD076}" type="slidenum">
               <a:rPr lang="zh-CN" altLang="en-US" smtClean="0"/>
+              <a:t>‹#›</a:t>
             </a:fld>
             <a:endParaRPr lang="zh-CN" altLang="en-US"/>
           </a:p>
@@ -2169,10 +2143,9 @@
           </a:lstStyle>
           <a:p>
             <a:r>
-              <a:rPr lang="zh-CN" altLang="en-US" smtClean="0"/>
+              <a:rPr lang="zh-CN" altLang="en-US"/>
               <a:t>单击此处编辑母版标题样式</a:t>
             </a:r>
-            <a:endParaRPr lang="zh-CN" altLang="en-US"/>
           </a:p>
         </p:txBody>
       </p:sp>
@@ -2296,10 +2269,9 @@
           <a:p>
             <a:pPr lvl="0"/>
             <a:r>
-              <a:rPr lang="zh-CN" altLang="en-US" smtClean="0"/>
+              <a:rPr lang="zh-CN" altLang="en-US"/>
               <a:t>单击此处编辑母版文本样式</a:t>
             </a:r>
-            <a:endParaRPr lang="zh-CN" altLang="en-US" smtClean="0"/>
           </a:p>
         </p:txBody>
       </p:sp>
@@ -2320,6 +2292,7 @@
           <a:p>
             <a:fld id="{D997B5FA-0921-464F-AAE1-844C04324D75}" type="datetimeFigureOut">
               <a:rPr lang="zh-CN" altLang="en-US" smtClean="0"/>
+              <a:t>2021/3/25</a:t>
             </a:fld>
             <a:endParaRPr lang="zh-CN" altLang="en-US"/>
           </a:p>
@@ -2361,6 +2334,7 @@
           <a:p>
             <a:fld id="{565CE74E-AB26-4998-AD42-012C4C1AD076}" type="slidenum">
               <a:rPr lang="zh-CN" altLang="en-US" smtClean="0"/>
+              <a:t>‹#›</a:t>
             </a:fld>
             <a:endParaRPr lang="zh-CN" altLang="en-US"/>
           </a:p>
@@ -2422,10 +2396,9 @@
           <a:lstStyle/>
           <a:p>
             <a:r>
-              <a:rPr lang="zh-CN" altLang="en-US" smtClean="0"/>
+              <a:rPr lang="zh-CN" altLang="en-US"/>
               <a:t>单击此处编辑母版标题样式</a:t>
             </a:r>
-            <a:endParaRPr lang="zh-CN" altLang="en-US"/>
           </a:p>
         </p:txBody>
       </p:sp>
@@ -2456,42 +2429,37 @@
           <a:p>
             <a:pPr lvl="0"/>
             <a:r>
-              <a:rPr lang="zh-CN" altLang="en-US" smtClean="0"/>
+              <a:rPr lang="zh-CN" altLang="en-US"/>
               <a:t>单击此处编辑母版文本样式</a:t>
             </a:r>
-            <a:endParaRPr lang="zh-CN" altLang="en-US" smtClean="0"/>
           </a:p>
           <a:p>
             <a:pPr lvl="1"/>
             <a:r>
-              <a:rPr lang="zh-CN" altLang="en-US" smtClean="0"/>
+              <a:rPr lang="zh-CN" altLang="en-US"/>
               <a:t>第二级</a:t>
             </a:r>
-            <a:endParaRPr lang="zh-CN" altLang="en-US" smtClean="0"/>
           </a:p>
           <a:p>
             <a:pPr lvl="2"/>
             <a:r>
-              <a:rPr lang="zh-CN" altLang="en-US" smtClean="0"/>
+              <a:rPr lang="zh-CN" altLang="en-US"/>
               <a:t>第三级</a:t>
             </a:r>
-            <a:endParaRPr lang="zh-CN" altLang="en-US" smtClean="0"/>
           </a:p>
           <a:p>
             <a:pPr lvl="3"/>
             <a:r>
-              <a:rPr lang="zh-CN" altLang="en-US" smtClean="0"/>
+              <a:rPr lang="zh-CN" altLang="en-US"/>
               <a:t>第四级</a:t>
             </a:r>
-            <a:endParaRPr lang="zh-CN" altLang="en-US" smtClean="0"/>
           </a:p>
           <a:p>
             <a:pPr lvl="4"/>
             <a:r>
-              <a:rPr lang="zh-CN" altLang="en-US" smtClean="0"/>
+              <a:rPr lang="zh-CN" altLang="en-US"/>
               <a:t>第五级</a:t>
             </a:r>
-            <a:endParaRPr lang="zh-CN" altLang="en-US"/>
           </a:p>
         </p:txBody>
       </p:sp>
@@ -2530,6 +2498,7 @@
           <a:p>
             <a:fld id="{D997B5FA-0921-464F-AAE1-844C04324D75}" type="datetimeFigureOut">
               <a:rPr lang="zh-CN" altLang="en-US" smtClean="0"/>
+              <a:t>2021/3/25</a:t>
             </a:fld>
             <a:endParaRPr lang="zh-CN" altLang="en-US"/>
           </a:p>
@@ -2607,6 +2576,7 @@
           <a:p>
             <a:fld id="{565CE74E-AB26-4998-AD42-012C4C1AD076}" type="slidenum">
               <a:rPr lang="zh-CN" altLang="en-US" smtClean="0"/>
+              <a:t>‹#›</a:t>
             </a:fld>
             <a:endParaRPr lang="zh-CN" altLang="en-US"/>
           </a:p>
@@ -2920,7 +2890,14 @@
         <p:cNvGrpSpPr/>
         <p:nvPr/>
       </p:nvGrpSpPr>
-      <p:grpSpPr/>
+      <p:grpSpPr>
+        <a:xfrm>
+          <a:off x="0" y="0"/>
+          <a:ext cx="0" cy="0"/>
+          <a:chOff x="0" y="0"/>
+          <a:chExt cx="0" cy="0"/>
+        </a:xfrm>
+      </p:grpSpPr>
       <p:sp>
         <p:nvSpPr>
           <p:cNvPr id="2" name="标题 1"/>
@@ -2934,19 +2911,19 @@
         <p:spPr/>
         <p:txBody>
           <a:bodyPr/>
-          <a:p>
-            <a:r>
-              <a:rPr lang="zh-CN" altLang="en-US"/>
+          <a:lstStyle/>
+          <a:p>
+            <a:r>
+              <a:rPr lang="zh-CN" altLang="en-US" dirty="0"/>
               <a:t>鎏光云游戏</a:t>
             </a:r>
             <a:br>
-              <a:rPr lang="zh-CN" altLang="en-US"/>
+              <a:rPr lang="zh-CN" altLang="en-US" dirty="0"/>
             </a:br>
             <a:r>
-              <a:rPr lang="zh-CN" altLang="en-US"/>
+              <a:rPr lang="zh-CN" altLang="en-US" dirty="0"/>
               <a:t>部署与测试记录</a:t>
             </a:r>
-            <a:endParaRPr lang="zh-CN" altLang="en-US"/>
           </a:p>
         </p:txBody>
       </p:sp>
@@ -2963,23 +2940,252 @@
         <p:spPr/>
         <p:txBody>
           <a:bodyPr/>
-          <a:p>
-            <a:r>
-              <a:rPr lang="zh-CN" altLang="en-US"/>
+          <a:lstStyle/>
+          <a:p>
+            <a:r>
+              <a:rPr lang="zh-CN" altLang="en-US" dirty="0"/>
               <a:t>雷梓阳</a:t>
             </a:r>
-            <a:endParaRPr lang="zh-CN" altLang="en-US"/>
-          </a:p>
-          <a:p>
-            <a:r>
-              <a:rPr lang="en-US" altLang="zh-CN"/>
+            <a:endParaRPr lang="en-US" altLang="zh-CN" dirty="0"/>
+          </a:p>
+          <a:p>
+            <a:r>
+              <a:rPr lang="zh-CN" altLang="en-US" dirty="0"/>
+              <a:t>汪子涵</a:t>
+            </a:r>
+          </a:p>
+          <a:p>
+            <a:r>
+              <a:rPr lang="en-US" altLang="zh-CN" dirty="0"/>
               <a:t>2021.3.24</a:t>
             </a:r>
-            <a:endParaRPr lang="en-US" altLang="zh-CN"/>
           </a:p>
         </p:txBody>
       </p:sp>
     </p:spTree>
+  </p:cSld>
+  <p:clrMapOvr>
+    <a:masterClrMapping/>
+  </p:clrMapOvr>
+</p:sld>
+</file>
+
+<file path=ppt/slides/slide10.xml><?xml version="1.0" encoding="utf-8"?>
+<p:sld xmlns:a="http://schemas.openxmlformats.org/drawingml/2006/main" xmlns:r="http://schemas.openxmlformats.org/officeDocument/2006/relationships" xmlns:p="http://schemas.openxmlformats.org/presentationml/2006/main">
+  <p:cSld>
+    <p:bg>
+      <p:bgPr>
+        <a:solidFill>
+          <a:schemeClr val="bg1"/>
+        </a:solidFill>
+        <a:effectLst/>
+      </p:bgPr>
+    </p:bg>
+    <p:spTree>
+      <p:nvGrpSpPr>
+        <p:cNvPr id="1" name=""/>
+        <p:cNvGrpSpPr/>
+        <p:nvPr/>
+      </p:nvGrpSpPr>
+      <p:grpSpPr>
+        <a:xfrm>
+          <a:off x="0" y="0"/>
+          <a:ext cx="0" cy="0"/>
+          <a:chOff x="0" y="0"/>
+          <a:chExt cx="0" cy="0"/>
+        </a:xfrm>
+      </p:grpSpPr>
+      <p:pic>
+        <p:nvPicPr>
+          <p:cNvPr id="5" name="内容占位符 4" descr="图示&#10;&#10;描述已自动生成">
+            <a:extLst>
+              <a:ext uri="{FF2B5EF4-FFF2-40B4-BE49-F238E27FC236}">
+                <a16:creationId xmlns:a16="http://schemas.microsoft.com/office/drawing/2014/main" id="{DF90791E-04D2-3948-A12A-BA0CBFCA8A44}"/>
+              </a:ext>
+            </a:extLst>
+          </p:cNvPr>
+          <p:cNvPicPr>
+            <a:picLocks noGrp="1" noChangeAspect="1"/>
+          </p:cNvPicPr>
+          <p:nvPr>
+            <p:ph idx="1"/>
+          </p:nvPr>
+        </p:nvPicPr>
+        <p:blipFill>
+          <a:blip r:embed="rId2">
+            <a:extLst>
+              <a:ext uri="{28A0092B-C50C-407E-A947-70E740481C1C}">
+                <a14:useLocalDpi xmlns:a14="http://schemas.microsoft.com/office/drawing/2010/main" val="0"/>
+              </a:ext>
+            </a:extLst>
+          </a:blip>
+          <a:stretch>
+            <a:fillRect/>
+          </a:stretch>
+        </p:blipFill>
+        <p:spPr>
+          <a:xfrm>
+            <a:off x="2158850" y="643466"/>
+            <a:ext cx="7874299" cy="5571067"/>
+          </a:xfrm>
+          <a:prstGeom prst="rect">
+            <a:avLst/>
+          </a:prstGeom>
+        </p:spPr>
+      </p:pic>
+    </p:spTree>
+    <p:extLst>
+      <p:ext uri="{BB962C8B-B14F-4D97-AF65-F5344CB8AC3E}">
+        <p14:creationId xmlns:p14="http://schemas.microsoft.com/office/powerpoint/2010/main" val="3928680381"/>
+      </p:ext>
+    </p:extLst>
+  </p:cSld>
+  <p:clrMapOvr>
+    <a:masterClrMapping/>
+  </p:clrMapOvr>
+</p:sld>
+</file>
+
+<file path=ppt/slides/slide11.xml><?xml version="1.0" encoding="utf-8"?>
+<p:sld xmlns:a="http://schemas.openxmlformats.org/drawingml/2006/main" xmlns:r="http://schemas.openxmlformats.org/officeDocument/2006/relationships" xmlns:p="http://schemas.openxmlformats.org/presentationml/2006/main">
+  <p:cSld>
+    <p:spTree>
+      <p:nvGrpSpPr>
+        <p:cNvPr id="1" name=""/>
+        <p:cNvGrpSpPr/>
+        <p:nvPr/>
+      </p:nvGrpSpPr>
+      <p:grpSpPr>
+        <a:xfrm>
+          <a:off x="0" y="0"/>
+          <a:ext cx="0" cy="0"/>
+          <a:chOff x="0" y="0"/>
+          <a:chExt cx="0" cy="0"/>
+        </a:xfrm>
+      </p:grpSpPr>
+      <p:sp>
+        <p:nvSpPr>
+          <p:cNvPr id="2" name="标题 1">
+            <a:extLst>
+              <a:ext uri="{FF2B5EF4-FFF2-40B4-BE49-F238E27FC236}">
+                <a16:creationId xmlns:a16="http://schemas.microsoft.com/office/drawing/2014/main" id="{3839C789-AF3F-5947-95C5-B7A05A7F28ED}"/>
+              </a:ext>
+            </a:extLst>
+          </p:cNvPr>
+          <p:cNvSpPr>
+            <a:spLocks noGrp="1"/>
+          </p:cNvSpPr>
+          <p:nvPr>
+            <p:ph type="title"/>
+          </p:nvPr>
+        </p:nvSpPr>
+        <p:spPr/>
+        <p:txBody>
+          <a:bodyPr/>
+          <a:lstStyle/>
+          <a:p>
+            <a:r>
+              <a:rPr lang="zh-CN" altLang="en-US" dirty="0"/>
+              <a:t>鎏光云游戏平台开发状态</a:t>
+            </a:r>
+            <a:endParaRPr kumimoji="1" lang="zh-CN" altLang="en-US" dirty="0"/>
+          </a:p>
+        </p:txBody>
+      </p:sp>
+      <p:sp>
+        <p:nvSpPr>
+          <p:cNvPr id="3" name="内容占位符 2">
+            <a:extLst>
+              <a:ext uri="{FF2B5EF4-FFF2-40B4-BE49-F238E27FC236}">
+                <a16:creationId xmlns:a16="http://schemas.microsoft.com/office/drawing/2014/main" id="{33834258-8156-5544-A098-2CB5669EDCD5}"/>
+              </a:ext>
+            </a:extLst>
+          </p:cNvPr>
+          <p:cNvSpPr>
+            <a:spLocks noGrp="1"/>
+          </p:cNvSpPr>
+          <p:nvPr>
+            <p:ph idx="1"/>
+          </p:nvPr>
+        </p:nvSpPr>
+        <p:spPr/>
+        <p:txBody>
+          <a:bodyPr/>
+          <a:lstStyle/>
+          <a:p>
+            <a:endParaRPr kumimoji="1" lang="en-US" altLang="zh-CN" dirty="0"/>
+          </a:p>
+          <a:p>
+            <a:r>
+              <a:rPr kumimoji="1" lang="zh-CN" altLang="en-US" dirty="0"/>
+              <a:t>单一开发者，使用</a:t>
+            </a:r>
+            <a:r>
+              <a:rPr kumimoji="1" lang="en-US" altLang="zh-CN" dirty="0"/>
+              <a:t>C++</a:t>
+            </a:r>
+            <a:r>
+              <a:rPr kumimoji="1" lang="zh-CN" altLang="en-US" dirty="0"/>
+              <a:t>，代码主要参考 </a:t>
+            </a:r>
+            <a:r>
+              <a:rPr kumimoji="1" lang="en-US" altLang="zh-CN" dirty="0" err="1"/>
+              <a:t>gameanywhere</a:t>
+            </a:r>
+            <a:endParaRPr kumimoji="1" lang="en-US" altLang="zh-CN" dirty="0"/>
+          </a:p>
+          <a:p>
+            <a:r>
+              <a:rPr kumimoji="1" lang="zh-CN" altLang="en-US" dirty="0"/>
+              <a:t>为更好的网络协议支持预留了位置，但需要</a:t>
+            </a:r>
+            <a:r>
+              <a:rPr kumimoji="1" lang="en-US" altLang="zh-CN" dirty="0"/>
+              <a:t>Apache</a:t>
+            </a:r>
+            <a:r>
+              <a:rPr kumimoji="1" lang="zh-CN" altLang="en-US" dirty="0"/>
+              <a:t>协议的开源库</a:t>
+            </a:r>
+            <a:endParaRPr kumimoji="1" lang="en-US" altLang="zh-CN" dirty="0"/>
+          </a:p>
+          <a:p>
+            <a:r>
+              <a:rPr kumimoji="1" lang="zh-CN" altLang="en-US" dirty="0"/>
+              <a:t>客户端</a:t>
+            </a:r>
+            <a:r>
+              <a:rPr kumimoji="1" lang="en-US" altLang="zh-CN" dirty="0"/>
+              <a:t>2000Star</a:t>
+            </a:r>
+            <a:r>
+              <a:rPr kumimoji="1" lang="zh-CN" altLang="en-US" dirty="0"/>
+              <a:t>开源（目前</a:t>
+            </a:r>
+            <a:r>
+              <a:rPr kumimoji="1" lang="en-US" altLang="zh-CN" dirty="0"/>
+              <a:t>200</a:t>
+            </a:r>
+            <a:r>
+              <a:rPr kumimoji="1" lang="zh-CN" altLang="en-US" dirty="0"/>
+              <a:t>），金山公司由于反响一般不太愿意投入，维护较少</a:t>
+            </a:r>
+            <a:endParaRPr kumimoji="1" lang="en-US" altLang="zh-CN" dirty="0"/>
+          </a:p>
+          <a:p>
+            <a:endParaRPr kumimoji="1" lang="en-US" altLang="zh-CN" dirty="0"/>
+          </a:p>
+          <a:p>
+            <a:endParaRPr kumimoji="1" lang="zh-CN" altLang="en-US" dirty="0"/>
+          </a:p>
+        </p:txBody>
+      </p:sp>
+    </p:spTree>
+    <p:extLst>
+      <p:ext uri="{BB962C8B-B14F-4D97-AF65-F5344CB8AC3E}">
+        <p14:creationId xmlns:p14="http://schemas.microsoft.com/office/powerpoint/2010/main" val="3694857096"/>
+      </p:ext>
+    </p:extLst>
   </p:cSld>
   <p:clrMapOvr>
     <a:masterClrMapping/>
@@ -2996,7 +3202,14 @@
         <p:cNvGrpSpPr/>
         <p:nvPr/>
       </p:nvGrpSpPr>
-      <p:grpSpPr/>
+      <p:grpSpPr>
+        <a:xfrm>
+          <a:off x="0" y="0"/>
+          <a:ext cx="0" cy="0"/>
+          <a:chOff x="0" y="0"/>
+          <a:chExt cx="0" cy="0"/>
+        </a:xfrm>
+      </p:grpSpPr>
       <p:sp>
         <p:nvSpPr>
           <p:cNvPr id="2" name="标题 1"/>
@@ -3010,12 +3223,12 @@
         <p:spPr/>
         <p:txBody>
           <a:bodyPr/>
+          <a:lstStyle/>
           <a:p>
             <a:r>
               <a:rPr lang="zh-CN" altLang="en-US"/>
               <a:t>鎏光云游戏原理介绍</a:t>
             </a:r>
-            <a:endParaRPr lang="zh-CN" altLang="en-US"/>
           </a:p>
         </p:txBody>
       </p:sp>
@@ -3037,56 +3250,50 @@
         </p:spPr>
         <p:txBody>
           <a:bodyPr>
-            <a:normAutofit lnSpcReduction="10000"/>
+            <a:normAutofit/>
           </a:bodyPr>
-          <a:p>
-            <a:r>
-              <a:rPr lang="zh-CN" altLang="en-US">
+          <a:lstStyle/>
+          <a:p>
+            <a:r>
+              <a:rPr lang="zh-CN" altLang="en-US" dirty="0">
                 <a:sym typeface="+mn-ea"/>
-                <a:hlinkClick r:id="rId1" action="ppaction://hlinkfile"/>
+                <a:hlinkClick r:id="rId2" action="ppaction://hlinkfile"/>
               </a:rPr>
               <a:t>https://github.com/BertramRay/liuguang/blob/main/README.zh-CN.md</a:t>
             </a:r>
-            <a:endParaRPr lang="zh-CN" altLang="en-US">
-              <a:sym typeface="+mn-ea"/>
-              <a:hlinkClick r:id="rId1" action="ppaction://hlinkfile"/>
-            </a:endParaRPr>
-          </a:p>
-          <a:p>
-            <a:r>
-              <a:rPr lang="zh-CN" altLang="en-US" b="1"/>
+          </a:p>
+          <a:p>
+            <a:r>
+              <a:rPr lang="zh-CN" altLang="en-US" b="1" dirty="0"/>
               <a:t>cgh</a:t>
             </a:r>
             <a:r>
-              <a:rPr lang="zh-CN" altLang="en-US"/>
+              <a:rPr lang="zh-CN" altLang="en-US" dirty="0"/>
               <a:t> 使用 Hook 技术捕获游戏画面，支持大多数 DirectX 游戏，比如赛博朋克 2077、街头霸王。</a:t>
             </a:r>
-            <a:endParaRPr lang="zh-CN" altLang="en-US"/>
-          </a:p>
-          <a:p>
-            <a:r>
-              <a:rPr lang="zh-CN" altLang="en-US" b="1"/>
+          </a:p>
+          <a:p>
+            <a:r>
+              <a:rPr lang="zh-CN" altLang="en-US" b="1" dirty="0"/>
               <a:t>cge</a:t>
             </a:r>
             <a:r>
-              <a:rPr lang="zh-CN" altLang="en-US"/>
+              <a:rPr lang="zh-CN" altLang="en-US" dirty="0"/>
               <a:t> 使用 FFmpeg 将采集到的声音和 cgh 捕获的游戏画面编码成多媒体流。</a:t>
             </a:r>
-            <a:endParaRPr lang="zh-CN" altLang="en-US"/>
-          </a:p>
-          <a:p>
-            <a:r>
-              <a:rPr lang="zh-CN" altLang="en-US" b="1"/>
+          </a:p>
+          <a:p>
+            <a:r>
+              <a:rPr lang="zh-CN" altLang="en-US" b="1" dirty="0"/>
               <a:t>cgc</a:t>
             </a:r>
             <a:r>
-              <a:rPr lang="zh-CN" altLang="en-US"/>
+              <a:rPr lang="zh-CN" altLang="en-US" dirty="0"/>
               <a:t> 使用 FFmpeg 解码音视频流，并用 SDL2 播放它们。</a:t>
             </a:r>
-            <a:endParaRPr lang="zh-CN" altLang="en-US"/>
-          </a:p>
-          <a:p>
-            <a:endParaRPr lang="zh-CN" altLang="en-US"/>
+          </a:p>
+          <a:p>
+            <a:endParaRPr lang="zh-CN" altLang="en-US" dirty="0"/>
           </a:p>
         </p:txBody>
       </p:sp>
@@ -3113,7 +3320,7 @@
             <p:nvPr/>
           </p:nvPicPr>
           <p:blipFill>
-            <a:blip r:embed="rId2"/>
+            <a:blip r:embed="rId3"/>
             <a:stretch>
               <a:fillRect/>
             </a:stretch>
@@ -3148,6 +3355,7 @@
             <a:bodyPr wrap="none" rtlCol="0">
               <a:spAutoFit/>
             </a:bodyPr>
+            <a:lstStyle/>
             <a:p>
               <a:r>
                 <a:rPr lang="en-US" altLang="zh-CN">
@@ -3157,11 +3365,6 @@
                 </a:rPr>
                 <a:t>cgh</a:t>
               </a:r>
-              <a:endParaRPr lang="en-US" altLang="zh-CN">
-                <a:solidFill>
-                  <a:schemeClr val="bg1"/>
-                </a:solidFill>
-              </a:endParaRPr>
             </a:p>
           </p:txBody>
         </p:sp>
@@ -3251,6 +3454,7 @@
         </p:style>
         <p:txBody>
           <a:bodyPr rtlCol="0" anchor="ctr"/>
+          <a:lstStyle/>
           <a:p>
             <a:pPr algn="ctr"/>
             <a:endParaRPr lang="zh-CN" altLang="en-US"/>
@@ -3352,7 +3556,14 @@
         <p:cNvGrpSpPr/>
         <p:nvPr/>
       </p:nvGrpSpPr>
-      <p:grpSpPr/>
+      <p:grpSpPr>
+        <a:xfrm>
+          <a:off x="0" y="0"/>
+          <a:ext cx="0" cy="0"/>
+          <a:chOff x="0" y="0"/>
+          <a:chExt cx="0" cy="0"/>
+        </a:xfrm>
+      </p:grpSpPr>
       <p:sp>
         <p:nvSpPr>
           <p:cNvPr id="2" name="标题 1"/>
@@ -3366,12 +3577,12 @@
         <p:spPr/>
         <p:txBody>
           <a:bodyPr/>
+          <a:lstStyle/>
           <a:p>
             <a:r>
               <a:rPr lang="zh-CN" altLang="en-US"/>
               <a:t>编译与配置</a:t>
             </a:r>
-            <a:endParaRPr lang="zh-CN" altLang="en-US"/>
           </a:p>
         </p:txBody>
       </p:sp>
@@ -3388,142 +3599,126 @@
         <p:spPr/>
         <p:txBody>
           <a:bodyPr/>
-          <a:p>
-            <a:r>
-              <a:rPr lang="zh-CN" altLang="en-US">
-                <a:hlinkClick r:id="rId1" tooltip="" action="ppaction://hlinkfile"/>
+          <a:lstStyle/>
+          <a:p>
+            <a:r>
+              <a:rPr lang="zh-CN" altLang="en-US" dirty="0">
+                <a:hlinkClick r:id="rId2" action="ppaction://hlinkfile"/>
               </a:rPr>
               <a:t>https://github.com/BertramRay/liuguang/blob/main/README.zh-CN.md</a:t>
             </a:r>
-            <a:endParaRPr lang="zh-CN" altLang="en-US">
-              <a:hlinkClick r:id="rId1" tooltip="" action="ppaction://hlinkfile"/>
-            </a:endParaRPr>
-          </a:p>
-          <a:p>
-            <a:r>
-              <a:rPr lang="en-US" altLang="zh-CN"/>
+          </a:p>
+          <a:p>
+            <a:r>
+              <a:rPr lang="en-US" altLang="zh-CN" dirty="0"/>
               <a:t>2.26</a:t>
             </a:r>
             <a:r>
-              <a:rPr lang="zh-CN" altLang="en-US"/>
+              <a:rPr lang="zh-CN" altLang="en-US" dirty="0"/>
               <a:t>后开发者提供了编译好的可执行文件（包括服务器端</a:t>
             </a:r>
             <a:r>
-              <a:rPr lang="en-US" altLang="zh-CN"/>
+              <a:rPr lang="en-US" altLang="zh-CN" dirty="0" err="1"/>
               <a:t>cge</a:t>
             </a:r>
             <a:r>
-              <a:rPr lang="zh-CN" altLang="en-US"/>
+              <a:rPr lang="zh-CN" altLang="en-US" dirty="0"/>
               <a:t>，客户端</a:t>
             </a:r>
             <a:r>
-              <a:rPr lang="en-US" altLang="zh-CN"/>
+              <a:rPr lang="en-US" altLang="zh-CN" dirty="0" err="1"/>
               <a:t>cgc</a:t>
             </a:r>
             <a:r>
-              <a:rPr lang="zh-CN" altLang="en-US"/>
+              <a:rPr lang="zh-CN" altLang="en-US" dirty="0"/>
               <a:t>，测试工具</a:t>
             </a:r>
             <a:r>
-              <a:rPr lang="en-US" altLang="zh-CN"/>
+              <a:rPr lang="en-US" altLang="zh-CN" dirty="0" err="1"/>
               <a:t>video_source</a:t>
             </a:r>
             <a:r>
-              <a:rPr lang="zh-CN" altLang="en-US"/>
-              <a:t>），也可选择自己编译对应工程文件</a:t>
-            </a:r>
-            <a:r>
-              <a:rPr lang="zh-CN" altLang="en-US"/>
+              <a:rPr lang="zh-CN" altLang="en-US" dirty="0"/>
+              <a:t>），也可选择自己编译对应工程文件。</a:t>
+            </a:r>
+          </a:p>
+          <a:p>
+            <a:r>
+              <a:rPr lang="zh-CN" altLang="en-US" dirty="0"/>
+              <a:t>直接执行可执行文件是不行的，主要原因是缺乏一些必要的</a:t>
+            </a:r>
+            <a:r>
+              <a:rPr lang="en-US" altLang="zh-CN" dirty="0" err="1"/>
+              <a:t>dll</a:t>
+            </a:r>
+            <a:r>
+              <a:rPr lang="zh-CN" altLang="en-US" dirty="0"/>
+              <a:t>，这些</a:t>
+            </a:r>
+            <a:r>
+              <a:rPr lang="en-US" altLang="zh-CN" dirty="0" err="1"/>
+              <a:t>dll</a:t>
+            </a:r>
+            <a:r>
+              <a:rPr lang="zh-CN" altLang="en-US" dirty="0"/>
+              <a:t>需要安装对应库，包括</a:t>
+            </a:r>
+            <a:r>
+              <a:rPr lang="en-US" altLang="zh-CN" dirty="0"/>
+              <a:t>BOOST</a:t>
+            </a:r>
+            <a:r>
+              <a:rPr lang="zh-CN" altLang="en-US" dirty="0"/>
+              <a:t>，</a:t>
+            </a:r>
+            <a:r>
+              <a:rPr lang="en-US" altLang="zh-CN" dirty="0"/>
+              <a:t>FFMPEG</a:t>
+            </a:r>
+            <a:r>
+              <a:rPr lang="zh-CN" altLang="en-US" dirty="0"/>
+              <a:t>，</a:t>
+            </a:r>
+            <a:r>
+              <a:rPr lang="en-US" altLang="zh-CN" dirty="0"/>
+              <a:t>SDL2</a:t>
+            </a:r>
+            <a:r>
+              <a:rPr lang="zh-CN" altLang="en-US" dirty="0"/>
+              <a:t>，</a:t>
+            </a:r>
+            <a:r>
+              <a:rPr lang="en-US" altLang="zh-CN" dirty="0"/>
+              <a:t>SDL_ttf2</a:t>
+            </a:r>
+            <a:r>
+              <a:rPr lang="zh-CN" altLang="en-US" dirty="0"/>
               <a:t>。</a:t>
             </a:r>
-            <a:endParaRPr lang="zh-CN" altLang="en-US"/>
-          </a:p>
-          <a:p>
-            <a:r>
-              <a:rPr lang="zh-CN" altLang="en-US"/>
-              <a:t>直接执行可执行文件是不行的，主要原因是缺乏一些必要的</a:t>
-            </a:r>
-            <a:r>
-              <a:rPr lang="en-US" altLang="zh-CN"/>
+          </a:p>
+          <a:p>
+            <a:r>
+              <a:rPr lang="zh-CN" altLang="en-US" dirty="0"/>
+              <a:t>按步骤配置环境变量后仍可能出现提示缺乏</a:t>
+            </a:r>
+            <a:r>
+              <a:rPr lang="en-US" altLang="zh-CN" dirty="0" err="1"/>
               <a:t>dll</a:t>
             </a:r>
             <a:r>
-              <a:rPr lang="zh-CN" altLang="en-US"/>
-              <a:t>，这些</a:t>
-            </a:r>
-            <a:r>
-              <a:rPr lang="en-US" altLang="zh-CN"/>
-              <a:t>dll</a:t>
-            </a:r>
-            <a:r>
-              <a:rPr lang="zh-CN" altLang="en-US"/>
-              <a:t>需要安装对应库，包括</a:t>
-            </a:r>
-            <a:r>
-              <a:rPr lang="en-US" altLang="zh-CN"/>
-              <a:t>BOOST</a:t>
-            </a:r>
-            <a:r>
-              <a:rPr lang="zh-CN" altLang="en-US"/>
-              <a:t>，</a:t>
-            </a:r>
-            <a:r>
-              <a:rPr lang="en-US" altLang="zh-CN"/>
-              <a:t>FFMPEG</a:t>
-            </a:r>
-            <a:r>
-              <a:rPr lang="zh-CN" altLang="en-US"/>
-              <a:t>，</a:t>
-            </a:r>
-            <a:r>
-              <a:rPr lang="en-US" altLang="zh-CN"/>
-              <a:t>SDL2</a:t>
-            </a:r>
-            <a:r>
-              <a:rPr lang="zh-CN" altLang="en-US"/>
-              <a:t>，</a:t>
-            </a:r>
-            <a:r>
-              <a:rPr lang="en-US" altLang="zh-CN"/>
-              <a:t>SDL_ttf2</a:t>
-            </a:r>
-            <a:r>
-              <a:rPr lang="zh-CN" altLang="en-US"/>
-              <a:t>。</a:t>
-            </a:r>
-            <a:endParaRPr lang="zh-CN" altLang="en-US"/>
-          </a:p>
-          <a:p>
-            <a:r>
-              <a:rPr lang="zh-CN" altLang="en-US"/>
-              <a:t>按步骤配置环境变量后仍可能出现提示缺乏</a:t>
-            </a:r>
-            <a:r>
-              <a:rPr lang="en-US" altLang="zh-CN"/>
-              <a:t>dll</a:t>
-            </a:r>
-            <a:r>
-              <a:rPr lang="zh-CN" altLang="en-US"/>
+              <a:rPr lang="zh-CN" altLang="en-US" dirty="0"/>
               <a:t>文件的情况，我采用的解决方法是</a:t>
             </a:r>
             <a:r>
-              <a:rPr lang="zh-CN" altLang="en-US">
+              <a:rPr lang="zh-CN" altLang="en-US" dirty="0">
                 <a:solidFill>
                   <a:srgbClr val="FF0000"/>
                 </a:solidFill>
               </a:rPr>
-              <a:t>直接按提示在网上</a:t>
-            </a:r>
-            <a:r>
-              <a:rPr lang="zh-CN" altLang="en-US">
-                <a:solidFill>
-                  <a:srgbClr val="FF0000"/>
-                </a:solidFill>
-              </a:rPr>
-              <a:t>下载对应缺失的</a:t>
-            </a:r>
-            <a:r>
-              <a:rPr lang="en-US" altLang="zh-CN">
+              <a:t>直接按提示在网上下载对应缺失的</a:t>
+            </a:r>
+            <a:r>
+              <a:rPr lang="en-US" altLang="zh-CN" dirty="0" err="1">
                 <a:solidFill>
                   <a:srgbClr val="FF0000"/>
                 </a:solidFill>
@@ -3531,7 +3726,7 @@
               <a:t>dll</a:t>
             </a:r>
             <a:r>
-              <a:rPr lang="zh-CN" altLang="en-US">
+              <a:rPr lang="zh-CN" altLang="en-US" dirty="0">
                 <a:solidFill>
                   <a:srgbClr val="FF0000"/>
                 </a:solidFill>
@@ -3539,10 +3734,9 @@
               <a:t>文件放置于可执行文件同一级目录中</a:t>
             </a:r>
             <a:r>
-              <a:rPr lang="zh-CN" altLang="en-US"/>
+              <a:rPr lang="zh-CN" altLang="en-US" dirty="0"/>
               <a:t>。</a:t>
             </a:r>
-            <a:endParaRPr lang="zh-CN" altLang="en-US"/>
           </a:p>
         </p:txBody>
       </p:sp>
@@ -3563,7 +3757,14 @@
         <p:cNvGrpSpPr/>
         <p:nvPr/>
       </p:nvGrpSpPr>
-      <p:grpSpPr/>
+      <p:grpSpPr>
+        <a:xfrm>
+          <a:off x="0" y="0"/>
+          <a:ext cx="0" cy="0"/>
+          <a:chOff x="0" y="0"/>
+          <a:chExt cx="0" cy="0"/>
+        </a:xfrm>
+      </p:grpSpPr>
       <p:sp>
         <p:nvSpPr>
           <p:cNvPr id="2" name="标题 1"/>
@@ -3577,12 +3778,12 @@
         <p:spPr/>
         <p:txBody>
           <a:bodyPr/>
+          <a:lstStyle/>
           <a:p>
             <a:r>
               <a:rPr lang="zh-CN" altLang="en-US"/>
               <a:t>本地回环测试</a:t>
             </a:r>
-            <a:endParaRPr lang="zh-CN" altLang="en-US"/>
           </a:p>
         </p:txBody>
       </p:sp>
@@ -3599,6 +3800,7 @@
         <p:spPr/>
         <p:txBody>
           <a:bodyPr/>
+          <a:lstStyle/>
           <a:p>
             <a:r>
               <a:rPr lang="zh-CN" altLang="en-US"/>
@@ -3631,14 +3833,12 @@
               <a:rPr lang="en-US" altLang="zh-CN"/>
               <a:t>cge</a:t>
             </a:r>
-            <a:endParaRPr lang="en-US" altLang="zh-CN"/>
           </a:p>
           <a:p>
             <a:r>
               <a:rPr lang="en-US" altLang="zh-CN"/>
               <a:t>video_source</a:t>
             </a:r>
-            <a:endParaRPr lang="en-US" altLang="zh-CN"/>
           </a:p>
           <a:p>
             <a:r>
@@ -3649,22 +3849,12 @@
               </a:rPr>
               <a:t>cgc -r=127.0.0.1</a:t>
             </a:r>
-            <a:endParaRPr lang="en-US" altLang="zh-CN">
-              <a:solidFill>
-                <a:srgbClr val="FF0000"/>
-              </a:solidFill>
-            </a:endParaRPr>
-          </a:p>
-          <a:p>
-            <a:r>
-              <a:rPr lang="zh-CN" altLang="en-US"/>
-              <a:t>即可完成本地回环测试（第三条指令与原指南不同</a:t>
-            </a:r>
-            <a:r>
-              <a:rPr lang="zh-CN" altLang="en-US"/>
-              <a:t>）</a:t>
-            </a:r>
-            <a:endParaRPr lang="zh-CN" altLang="en-US"/>
+          </a:p>
+          <a:p>
+            <a:r>
+              <a:rPr lang="zh-CN" altLang="en-US"/>
+              <a:t>即可完成本地回环测试（第三条指令与原指南不同）</a:t>
+            </a:r>
           </a:p>
         </p:txBody>
       </p:sp>
@@ -3685,7 +3875,14 @@
         <p:cNvGrpSpPr/>
         <p:nvPr/>
       </p:nvGrpSpPr>
-      <p:grpSpPr/>
+      <p:grpSpPr>
+        <a:xfrm>
+          <a:off x="0" y="0"/>
+          <a:ext cx="0" cy="0"/>
+          <a:chOff x="0" y="0"/>
+          <a:chExt cx="0" cy="0"/>
+        </a:xfrm>
+      </p:grpSpPr>
       <p:sp>
         <p:nvSpPr>
           <p:cNvPr id="2" name="标题 1"/>
@@ -3699,12 +3896,12 @@
         <p:spPr/>
         <p:txBody>
           <a:bodyPr/>
+          <a:lstStyle/>
           <a:p>
             <a:r>
               <a:rPr lang="zh-CN" altLang="en-US"/>
               <a:t>主机间连接通信测试</a:t>
             </a:r>
-            <a:endParaRPr lang="zh-CN" altLang="en-US"/>
           </a:p>
         </p:txBody>
       </p:sp>
@@ -3728,21 +3925,22 @@
           <a:bodyPr>
             <a:normAutofit/>
           </a:bodyPr>
-          <a:p>
-            <a:r>
-              <a:rPr lang="zh-CN" altLang="en-US"/>
+          <a:lstStyle/>
+          <a:p>
+            <a:r>
+              <a:rPr lang="zh-CN" altLang="en-US" dirty="0"/>
               <a:t>两台电脑连接相同的手机热点并尝试互相</a:t>
             </a:r>
             <a:r>
-              <a:rPr lang="en-US" altLang="zh-CN"/>
+              <a:rPr lang="en-US" altLang="zh-CN" dirty="0"/>
               <a:t>ping</a:t>
             </a:r>
             <a:r>
-              <a:rPr lang="zh-CN" altLang="en-US"/>
+              <a:rPr lang="zh-CN" altLang="en-US" dirty="0"/>
               <a:t>通，</a:t>
             </a:r>
             <a:r>
-              <a:rPr lang="zh-CN" altLang="en-US">
+              <a:rPr lang="zh-CN" altLang="en-US" dirty="0">
                 <a:solidFill>
                   <a:srgbClr val="FF0000"/>
                 </a:solidFill>
@@ -3750,7 +3948,7 @@
               <a:t>不能使用校园无线网络，否则无法</a:t>
             </a:r>
             <a:r>
-              <a:rPr lang="en-US" altLang="zh-CN">
+              <a:rPr lang="en-US" altLang="zh-CN" dirty="0">
                 <a:solidFill>
                   <a:srgbClr val="FF0000"/>
                 </a:solidFill>
@@ -3758,93 +3956,107 @@
               <a:t>ping</a:t>
             </a:r>
             <a:r>
-              <a:rPr lang="zh-CN" altLang="en-US">
+              <a:rPr lang="zh-CN" altLang="en-US" dirty="0">
                 <a:solidFill>
                   <a:srgbClr val="FF0000"/>
                 </a:solidFill>
               </a:rPr>
               <a:t>通</a:t>
             </a:r>
-            <a:endParaRPr lang="zh-CN" altLang="en-US">
-              <a:solidFill>
-                <a:srgbClr val="FF0000"/>
-              </a:solidFill>
-            </a:endParaRPr>
-          </a:p>
-          <a:p>
-            <a:r>
-              <a:rPr lang="zh-CN" altLang="en-US"/>
+          </a:p>
+          <a:p>
+            <a:r>
+              <a:rPr lang="zh-CN" altLang="en-US" dirty="0"/>
               <a:t>服务器端在</a:t>
             </a:r>
             <a:r>
-              <a:rPr lang="en-US" altLang="zh-CN"/>
+              <a:rPr lang="en-US" altLang="zh-CN" dirty="0" err="1"/>
               <a:t>cmd</a:t>
             </a:r>
             <a:r>
-              <a:rPr lang="zh-CN" altLang="en-US"/>
+              <a:rPr lang="zh-CN" altLang="en-US" dirty="0"/>
               <a:t>窗口运行</a:t>
             </a:r>
-            <a:endParaRPr lang="zh-CN" altLang="en-US"/>
-          </a:p>
-          <a:p>
-            <a:r>
-              <a:rPr lang="en-US" altLang="zh-CN"/>
-              <a:t>cge --stream-port=9090 --control-port=9090</a:t>
-            </a:r>
-            <a:endParaRPr lang="en-US" altLang="zh-CN"/>
-          </a:p>
-          <a:p>
-            <a:r>
-              <a:rPr lang="en-US" altLang="zh-CN"/>
+          </a:p>
+          <a:p>
+            <a:r>
+              <a:rPr lang="en-US" altLang="zh-CN" dirty="0" err="1"/>
+              <a:t>cge</a:t>
+            </a:r>
+            <a:r>
+              <a:rPr lang="en-US" altLang="zh-CN" dirty="0"/>
+              <a:t> --stream-port=9090 --control-port=9090</a:t>
+            </a:r>
+          </a:p>
+          <a:p>
+            <a:r>
+              <a:rPr lang="en-US" altLang="zh-CN" dirty="0"/>
               <a:t>video-source</a:t>
             </a:r>
-            <a:endParaRPr lang="en-US" altLang="zh-CN"/>
-          </a:p>
-          <a:p>
-            <a:r>
-              <a:rPr lang="zh-CN" altLang="en-US"/>
+          </a:p>
+          <a:p>
+            <a:r>
+              <a:rPr lang="zh-CN" altLang="en-US" dirty="0"/>
               <a:t>客户端在</a:t>
             </a:r>
             <a:r>
-              <a:rPr lang="en-US" altLang="zh-CN"/>
+              <a:rPr lang="en-US" altLang="zh-CN" dirty="0" err="1"/>
               <a:t>cmd</a:t>
             </a:r>
             <a:r>
-              <a:rPr lang="zh-CN" altLang="en-US"/>
+              <a:rPr lang="zh-CN" altLang="en-US" dirty="0"/>
               <a:t>窗口运行</a:t>
             </a:r>
-            <a:endParaRPr lang="zh-CN" altLang="en-US"/>
-          </a:p>
-          <a:p>
-            <a:r>
-              <a:rPr lang="en-US" altLang="zh-CN"/>
-              <a:t>cgc --remote-host=&lt;server_ipaddr&gt; --stream-port=9090 --control-port=9090 --username=UMU --verification-code=123456</a:t>
-            </a:r>
-            <a:endParaRPr lang="en-US" altLang="zh-CN"/>
-          </a:p>
-          <a:p>
-            <a:r>
-              <a:rPr lang="zh-CN" altLang="en-US"/>
+          </a:p>
+          <a:p>
+            <a:r>
+              <a:rPr lang="en-US" altLang="zh-CN" dirty="0" err="1"/>
+              <a:t>cgc</a:t>
+            </a:r>
+            <a:r>
+              <a:rPr lang="en-US" altLang="zh-CN" dirty="0"/>
+              <a:t> --remote-host=&lt;</a:t>
+            </a:r>
+            <a:r>
+              <a:rPr lang="en-US" altLang="zh-CN" dirty="0" err="1"/>
+              <a:t>server_ipaddr</a:t>
+            </a:r>
+            <a:r>
+              <a:rPr lang="en-US" altLang="zh-CN" dirty="0"/>
+              <a:t>&gt; --stream-port=9090 --control-port=9090 --username=UMU --verification-code=123456</a:t>
+            </a:r>
+          </a:p>
+          <a:p>
+            <a:r>
+              <a:rPr lang="zh-CN" altLang="en-US" dirty="0"/>
               <a:t>其中</a:t>
             </a:r>
             <a:r>
-              <a:rPr lang="en-US" altLang="zh-CN"/>
-              <a:t>&lt;server_ipaddr&gt;</a:t>
-            </a:r>
-            <a:r>
-              <a:rPr lang="zh-CN" altLang="en-US"/>
+              <a:rPr lang="en-US" altLang="zh-CN" dirty="0"/>
+              <a:t>&lt;</a:t>
+            </a:r>
+            <a:r>
+              <a:rPr lang="en-US" altLang="zh-CN" dirty="0" err="1"/>
+              <a:t>server_ipaddr</a:t>
+            </a:r>
+            <a:r>
+              <a:rPr lang="en-US" altLang="zh-CN" dirty="0"/>
+              <a:t>&gt;</a:t>
+            </a:r>
+            <a:r>
+              <a:rPr lang="zh-CN" altLang="en-US" dirty="0"/>
               <a:t>为服务器端主机</a:t>
             </a:r>
             <a:r>
-              <a:rPr lang="en-US" altLang="zh-CN"/>
+              <a:rPr lang="en-US" altLang="zh-CN" dirty="0"/>
               <a:t>ipv4</a:t>
             </a:r>
             <a:r>
-              <a:rPr lang="zh-CN" altLang="en-US"/>
+              <a:rPr lang="zh-CN" altLang="en-US" dirty="0"/>
               <a:t>地址，</a:t>
             </a:r>
             <a:r>
-              <a:rPr lang="zh-CN" altLang="en-US">
+              <a:rPr lang="zh-CN" altLang="en-US" dirty="0">
                 <a:solidFill>
                   <a:srgbClr val="FF0000"/>
                 </a:solidFill>
@@ -3852,7 +4064,7 @@
               <a:t>不能使用默认</a:t>
             </a:r>
             <a:r>
-              <a:rPr lang="en-US" altLang="zh-CN">
+              <a:rPr lang="en-US" altLang="zh-CN" dirty="0">
                 <a:solidFill>
                   <a:srgbClr val="FF0000"/>
                 </a:solidFill>
@@ -3860,18 +4072,13 @@
               <a:t>8080</a:t>
             </a:r>
             <a:r>
-              <a:rPr lang="zh-CN" altLang="en-US">
+              <a:rPr lang="zh-CN" altLang="en-US" dirty="0">
                 <a:solidFill>
                   <a:srgbClr val="FF0000"/>
                 </a:solidFill>
               </a:rPr>
               <a:t>端口，否则会被运营商封杀，导致无法连接</a:t>
             </a:r>
-            <a:endParaRPr lang="zh-CN" altLang="en-US">
-              <a:solidFill>
-                <a:srgbClr val="FF0000"/>
-              </a:solidFill>
-            </a:endParaRPr>
           </a:p>
         </p:txBody>
       </p:sp>
@@ -3892,7 +4099,14 @@
         <p:cNvGrpSpPr/>
         <p:nvPr/>
       </p:nvGrpSpPr>
-      <p:grpSpPr/>
+      <p:grpSpPr>
+        <a:xfrm>
+          <a:off x="0" y="0"/>
+          <a:ext cx="0" cy="0"/>
+          <a:chOff x="0" y="0"/>
+          <a:chExt cx="0" cy="0"/>
+        </a:xfrm>
+      </p:grpSpPr>
       <p:sp>
         <p:nvSpPr>
           <p:cNvPr id="2" name="标题 1"/>
@@ -3904,10 +4118,192 @@
           </p:nvPr>
         </p:nvSpPr>
         <p:spPr/>
+        <p:txBody>
+          <a:bodyPr/>
+          <a:lstStyle/>
+          <a:p>
+            <a:r>
+              <a:rPr lang="zh-CN" altLang="en-US" dirty="0"/>
+              <a:t>校园网内连接通信测试</a:t>
+            </a:r>
+          </a:p>
+        </p:txBody>
+      </p:sp>
+      <p:sp>
+        <p:nvSpPr>
+          <p:cNvPr id="3" name="内容占位符 2"/>
+          <p:cNvSpPr>
+            <a:spLocks noGrp="1"/>
+          </p:cNvSpPr>
+          <p:nvPr>
+            <p:ph idx="1"/>
+          </p:nvPr>
+        </p:nvSpPr>
+        <p:spPr>
+          <a:xfrm>
+            <a:off x="838200" y="1755140"/>
+            <a:ext cx="10515600" cy="4937760"/>
+          </a:xfrm>
+        </p:spPr>
         <p:txBody>
           <a:bodyPr>
             <a:normAutofit/>
           </a:bodyPr>
+          <a:lstStyle/>
+          <a:p>
+            <a:r>
+              <a:rPr lang="zh-CN" altLang="en-US" dirty="0"/>
+              <a:t>两台电脑连接校园网，可以选择不同接入点</a:t>
+            </a:r>
+            <a:endParaRPr lang="en-US" altLang="zh-CN" dirty="0"/>
+          </a:p>
+          <a:p>
+            <a:r>
+              <a:rPr lang="zh-CN" altLang="en-US" dirty="0"/>
+              <a:t>服务器端在</a:t>
+            </a:r>
+            <a:r>
+              <a:rPr lang="en-US" altLang="zh-CN" dirty="0" err="1"/>
+              <a:t>cmd</a:t>
+            </a:r>
+            <a:r>
+              <a:rPr lang="zh-CN" altLang="en-US" dirty="0"/>
+              <a:t>窗口运行</a:t>
+            </a:r>
+          </a:p>
+          <a:p>
+            <a:r>
+              <a:rPr lang="en-US" altLang="zh-CN" dirty="0" err="1"/>
+              <a:t>cge</a:t>
+            </a:r>
+            <a:r>
+              <a:rPr lang="en-US" altLang="zh-CN" dirty="0"/>
+              <a:t> --stream-port=30000 --control-port=30000</a:t>
+            </a:r>
+          </a:p>
+          <a:p>
+            <a:r>
+              <a:rPr lang="en-US" altLang="zh-CN" dirty="0"/>
+              <a:t>video-source</a:t>
+            </a:r>
+          </a:p>
+          <a:p>
+            <a:r>
+              <a:rPr lang="zh-CN" altLang="en-US" dirty="0"/>
+              <a:t>客户端在</a:t>
+            </a:r>
+            <a:r>
+              <a:rPr lang="en-US" altLang="zh-CN" dirty="0" err="1"/>
+              <a:t>cmd</a:t>
+            </a:r>
+            <a:r>
+              <a:rPr lang="zh-CN" altLang="en-US" dirty="0"/>
+              <a:t>窗口运行</a:t>
+            </a:r>
+          </a:p>
+          <a:p>
+            <a:r>
+              <a:rPr lang="en-US" altLang="zh-CN" dirty="0" err="1"/>
+              <a:t>cgc</a:t>
+            </a:r>
+            <a:r>
+              <a:rPr lang="en-US" altLang="zh-CN" dirty="0"/>
+              <a:t> --remote-host=&lt;</a:t>
+            </a:r>
+            <a:r>
+              <a:rPr lang="en-US" altLang="zh-CN" dirty="0" err="1"/>
+              <a:t>server_ipaddr</a:t>
+            </a:r>
+            <a:r>
+              <a:rPr lang="en-US" altLang="zh-CN" dirty="0"/>
+              <a:t>&gt; --stream-port=30000 --control-port=30000 --username=UMU --verification-code=123456</a:t>
+            </a:r>
+          </a:p>
+          <a:p>
+            <a:r>
+              <a:rPr lang="zh-CN" altLang="en-US" dirty="0"/>
+              <a:t>其中</a:t>
+            </a:r>
+            <a:r>
+              <a:rPr lang="en-US" altLang="zh-CN" dirty="0"/>
+              <a:t>&lt;</a:t>
+            </a:r>
+            <a:r>
+              <a:rPr lang="en-US" altLang="zh-CN" dirty="0" err="1"/>
+              <a:t>server_ipaddr</a:t>
+            </a:r>
+            <a:r>
+              <a:rPr lang="en-US" altLang="zh-CN" dirty="0"/>
+              <a:t>&gt;</a:t>
+            </a:r>
+            <a:r>
+              <a:rPr lang="zh-CN" altLang="en-US" dirty="0"/>
+              <a:t>为服务器端主机</a:t>
+            </a:r>
+            <a:r>
+              <a:rPr lang="en-US" altLang="zh-CN" dirty="0"/>
+              <a:t>ipv4</a:t>
+            </a:r>
+            <a:r>
+              <a:rPr lang="zh-CN" altLang="en-US" dirty="0"/>
+              <a:t>地址</a:t>
+            </a:r>
+            <a:endParaRPr lang="en-US" altLang="zh-CN" dirty="0"/>
+          </a:p>
+          <a:p>
+            <a:r>
+              <a:rPr lang="zh-CN" altLang="en-US" dirty="0"/>
+              <a:t>校园网内不同接入点间通讯延迟相比局域网更高，适合进行实验</a:t>
+            </a:r>
+          </a:p>
+        </p:txBody>
+      </p:sp>
+    </p:spTree>
+    <p:extLst>
+      <p:ext uri="{BB962C8B-B14F-4D97-AF65-F5344CB8AC3E}">
+        <p14:creationId xmlns:p14="http://schemas.microsoft.com/office/powerpoint/2010/main" val="2960892395"/>
+      </p:ext>
+    </p:extLst>
+  </p:cSld>
+  <p:clrMapOvr>
+    <a:masterClrMapping/>
+  </p:clrMapOvr>
+</p:sld>
+</file>
+
+<file path=ppt/slides/slide7.xml><?xml version="1.0" encoding="utf-8"?>
+<p:sld xmlns:a="http://schemas.openxmlformats.org/drawingml/2006/main" xmlns:r="http://schemas.openxmlformats.org/officeDocument/2006/relationships" xmlns:p="http://schemas.openxmlformats.org/presentationml/2006/main">
+  <p:cSld>
+    <p:spTree>
+      <p:nvGrpSpPr>
+        <p:cNvPr id="1" name=""/>
+        <p:cNvGrpSpPr/>
+        <p:nvPr/>
+      </p:nvGrpSpPr>
+      <p:grpSpPr>
+        <a:xfrm>
+          <a:off x="0" y="0"/>
+          <a:ext cx="0" cy="0"/>
+          <a:chOff x="0" y="0"/>
+          <a:chExt cx="0" cy="0"/>
+        </a:xfrm>
+      </p:grpSpPr>
+      <p:sp>
+        <p:nvSpPr>
+          <p:cNvPr id="2" name="标题 1"/>
+          <p:cNvSpPr>
+            <a:spLocks noGrp="1"/>
+          </p:cNvSpPr>
+          <p:nvPr>
+            <p:ph type="title"/>
+          </p:nvPr>
+        </p:nvSpPr>
+        <p:spPr/>
+        <p:txBody>
+          <a:bodyPr>
+            <a:normAutofit/>
+          </a:bodyPr>
+          <a:lstStyle/>
           <a:p>
             <a:r>
               <a:rPr lang="zh-CN" altLang="en-US">
@@ -3932,12 +4328,12 @@
         <p:spPr/>
         <p:txBody>
           <a:bodyPr/>
+          <a:lstStyle/>
           <a:p>
             <a:r>
               <a:rPr lang="zh-CN" altLang="en-US"/>
               <a:t>连接后的客户端将显示服务器端的测试画面，同时也将播放服务器端的音频流。</a:t>
             </a:r>
-            <a:endParaRPr lang="zh-CN" altLang="en-US"/>
           </a:p>
           <a:p>
             <a:r>
@@ -3952,7 +4348,6 @@
               <a:rPr lang="zh-CN" altLang="en-US"/>
               <a:t>，考虑到测试画面十分简单，实际延迟会大于测试延迟。</a:t>
             </a:r>
-            <a:endParaRPr lang="zh-CN" altLang="en-US"/>
           </a:p>
         </p:txBody>
       </p:sp>
@@ -3965,7 +4360,7 @@
           <p:nvPr/>
         </p:nvPicPr>
         <p:blipFill>
-          <a:blip r:embed="rId1"/>
+          <a:blip r:embed="rId2"/>
           <a:stretch>
             <a:fillRect/>
           </a:stretch>
@@ -3989,7 +4384,7 @@
           <p:nvPr/>
         </p:nvPicPr>
         <p:blipFill>
-          <a:blip r:embed="rId2"/>
+          <a:blip r:embed="rId3"/>
           <a:stretch>
             <a:fillRect/>
           </a:stretch>
@@ -4012,76 +4407,6 @@
 </p:sld>
 </file>
 
-<file path=ppt/slides/slide7.xml><?xml version="1.0" encoding="utf-8"?>
-<p:sld xmlns:a="http://schemas.openxmlformats.org/drawingml/2006/main" xmlns:r="http://schemas.openxmlformats.org/officeDocument/2006/relationships" xmlns:p="http://schemas.openxmlformats.org/presentationml/2006/main">
-  <p:cSld>
-    <p:spTree>
-      <p:nvGrpSpPr>
-        <p:cNvPr id="1" name=""/>
-        <p:cNvGrpSpPr/>
-        <p:nvPr/>
-      </p:nvGrpSpPr>
-      <p:grpSpPr/>
-      <p:sp>
-        <p:nvSpPr>
-          <p:cNvPr id="2" name="标题 1"/>
-          <p:cNvSpPr>
-            <a:spLocks noGrp="1"/>
-          </p:cNvSpPr>
-          <p:nvPr>
-            <p:ph type="title"/>
-          </p:nvPr>
-        </p:nvSpPr>
-        <p:spPr/>
-        <p:txBody>
-          <a:bodyPr/>
-          <a:p>
-            <a:r>
-              <a:rPr lang="zh-CN" altLang="en-US"/>
-              <a:t>实际游戏画面传输测试</a:t>
-            </a:r>
-            <a:endParaRPr lang="zh-CN" altLang="en-US"/>
-          </a:p>
-        </p:txBody>
-      </p:sp>
-      <p:sp>
-        <p:nvSpPr>
-          <p:cNvPr id="3" name="内容占位符 2"/>
-          <p:cNvSpPr>
-            <a:spLocks noGrp="1"/>
-          </p:cNvSpPr>
-          <p:nvPr>
-            <p:ph idx="1"/>
-          </p:nvPr>
-        </p:nvSpPr>
-        <p:spPr/>
-        <p:txBody>
-          <a:bodyPr/>
-          <a:p>
-            <a:r>
-              <a:rPr lang="zh-CN" altLang="en-US"/>
-              <a:t>以</a:t>
-            </a:r>
-            <a:r>
-              <a:rPr lang="en-US" altLang="zh-CN"/>
-              <a:t>USF4</a:t>
-            </a:r>
-            <a:r>
-              <a:rPr lang="zh-CN" altLang="en-US"/>
-              <a:t>为例</a:t>
-            </a:r>
-            <a:endParaRPr lang="zh-CN" altLang="en-US"/>
-          </a:p>
-        </p:txBody>
-      </p:sp>
-    </p:spTree>
-  </p:cSld>
-  <p:clrMapOvr>
-    <a:masterClrMapping/>
-  </p:clrMapOvr>
-</p:sld>
-</file>
-
 <file path=ppt/slides/slide8.xml><?xml version="1.0" encoding="utf-8"?>
 <p:sld xmlns:a="http://schemas.openxmlformats.org/drawingml/2006/main" xmlns:r="http://schemas.openxmlformats.org/officeDocument/2006/relationships" xmlns:p="http://schemas.openxmlformats.org/presentationml/2006/main">
   <p:cSld>
@@ -4091,7 +4416,14 @@
         <p:cNvGrpSpPr/>
         <p:nvPr/>
       </p:nvGrpSpPr>
-      <p:grpSpPr/>
+      <p:grpSpPr>
+        <a:xfrm>
+          <a:off x="0" y="0"/>
+          <a:ext cx="0" cy="0"/>
+          <a:chOff x="0" y="0"/>
+          <a:chExt cx="0" cy="0"/>
+        </a:xfrm>
+      </p:grpSpPr>
       <p:sp>
         <p:nvSpPr>
           <p:cNvPr id="2" name="标题 1"/>
@@ -4105,6 +4437,84 @@
         <p:spPr/>
         <p:txBody>
           <a:bodyPr/>
+          <a:lstStyle/>
+          <a:p>
+            <a:r>
+              <a:rPr lang="zh-CN" altLang="en-US"/>
+              <a:t>实际游戏画面传输测试</a:t>
+            </a:r>
+          </a:p>
+        </p:txBody>
+      </p:sp>
+      <p:sp>
+        <p:nvSpPr>
+          <p:cNvPr id="3" name="内容占位符 2"/>
+          <p:cNvSpPr>
+            <a:spLocks noGrp="1"/>
+          </p:cNvSpPr>
+          <p:nvPr>
+            <p:ph idx="1"/>
+          </p:nvPr>
+        </p:nvSpPr>
+        <p:spPr/>
+        <p:txBody>
+          <a:bodyPr/>
+          <a:lstStyle/>
+          <a:p>
+            <a:r>
+              <a:rPr lang="zh-CN" altLang="en-US"/>
+              <a:t>以</a:t>
+            </a:r>
+            <a:r>
+              <a:rPr lang="en-US" altLang="zh-CN"/>
+              <a:t>USF4</a:t>
+            </a:r>
+            <a:r>
+              <a:rPr lang="zh-CN" altLang="en-US"/>
+              <a:t>为例</a:t>
+            </a:r>
+          </a:p>
+        </p:txBody>
+      </p:sp>
+    </p:spTree>
+  </p:cSld>
+  <p:clrMapOvr>
+    <a:masterClrMapping/>
+  </p:clrMapOvr>
+</p:sld>
+</file>
+
+<file path=ppt/slides/slide9.xml><?xml version="1.0" encoding="utf-8"?>
+<p:sld xmlns:a="http://schemas.openxmlformats.org/drawingml/2006/main" xmlns:r="http://schemas.openxmlformats.org/officeDocument/2006/relationships" xmlns:p="http://schemas.openxmlformats.org/presentationml/2006/main">
+  <p:cSld>
+    <p:spTree>
+      <p:nvGrpSpPr>
+        <p:cNvPr id="1" name=""/>
+        <p:cNvGrpSpPr/>
+        <p:nvPr/>
+      </p:nvGrpSpPr>
+      <p:grpSpPr>
+        <a:xfrm>
+          <a:off x="0" y="0"/>
+          <a:ext cx="0" cy="0"/>
+          <a:chOff x="0" y="0"/>
+          <a:chExt cx="0" cy="0"/>
+        </a:xfrm>
+      </p:grpSpPr>
+      <p:sp>
+        <p:nvSpPr>
+          <p:cNvPr id="2" name="标题 1"/>
+          <p:cNvSpPr>
+            <a:spLocks noGrp="1"/>
+          </p:cNvSpPr>
+          <p:nvPr>
+            <p:ph type="title"/>
+          </p:nvPr>
+        </p:nvSpPr>
+        <p:spPr/>
+        <p:txBody>
+          <a:bodyPr/>
+          <a:lstStyle/>
           <a:p>
             <a:r>
               <a:rPr lang="en-US" altLang="zh-CN"/>
@@ -4114,7 +4524,6 @@
               <a:rPr lang="zh-CN" altLang="en-US"/>
               <a:t>源代码分析</a:t>
             </a:r>
-            <a:endParaRPr lang="zh-CN" altLang="en-US"/>
           </a:p>
         </p:txBody>
       </p:sp>
@@ -4122,14 +4531,14 @@
         <p:nvPicPr>
           <p:cNvPr id="4" name="内容占位符 3"/>
           <p:cNvPicPr>
-            <a:picLocks noChangeAspect="1"/>
+            <a:picLocks noGrp="1" noChangeAspect="1"/>
           </p:cNvPicPr>
           <p:nvPr>
             <p:ph idx="1"/>
           </p:nvPr>
         </p:nvPicPr>
         <p:blipFill>
-          <a:blip r:embed="rId1"/>
+          <a:blip r:embed="rId2"/>
           <a:stretch>
             <a:fillRect/>
           </a:stretch>
@@ -4403,6 +4812,8 @@
       </a:bgFillStyleLst>
     </a:fmtScheme>
   </a:themeElements>
+  <a:objectDefaults/>
+  <a:extraClrSchemeLst/>
   <a:extLst>
     <a:ext uri="{05A4C25C-085E-4340-85A3-A5531E510DB2}">
       <thm15:themeFamily xmlns:thm15="http://schemas.microsoft.com/office/thememl/2012/main" name="Office Theme" id="{62F939B6-93AF-4DB8-9C6B-D6C7DFDC589F}" vid="{4A3C46E8-61CC-4603-A589-7422A47A8E4A}"/>

--- a/ppt/liuguang_deployment.pptx
+++ b/ppt/liuguang_deployment.pptx
@@ -16,6 +16,7 @@
     <p:sldId id="263" r:id="rId10"/>
     <p:sldId id="266" r:id="rId11"/>
     <p:sldId id="265" r:id="rId12"/>
+    <p:sldId id="267" r:id="rId13"/>
   </p:sldIdLst>
   <p:sldSz cx="12192000" cy="6858000"/>
   <p:notesSz cx="6858000" cy="9144000"/>
@@ -3193,6 +3194,265 @@
 </p:sld>
 </file>
 
+<file path=ppt/slides/slide12.xml><?xml version="1.0" encoding="utf-8"?>
+<p:sld xmlns:a="http://schemas.openxmlformats.org/drawingml/2006/main" xmlns:r="http://schemas.openxmlformats.org/officeDocument/2006/relationships" xmlns:p="http://schemas.openxmlformats.org/presentationml/2006/main">
+  <p:cSld>
+    <p:spTree>
+      <p:nvGrpSpPr>
+        <p:cNvPr id="1" name=""/>
+        <p:cNvGrpSpPr/>
+        <p:nvPr/>
+      </p:nvGrpSpPr>
+      <p:grpSpPr>
+        <a:xfrm>
+          <a:off x="0" y="0"/>
+          <a:ext cx="0" cy="0"/>
+          <a:chOff x="0" y="0"/>
+          <a:chExt cx="0" cy="0"/>
+        </a:xfrm>
+      </p:grpSpPr>
+      <p:sp>
+        <p:nvSpPr>
+          <p:cNvPr id="2" name="标题 1">
+            <a:extLst>
+              <a:ext uri="{FF2B5EF4-FFF2-40B4-BE49-F238E27FC236}">
+                <a16:creationId xmlns:a16="http://schemas.microsoft.com/office/drawing/2014/main" id="{FA3DC4EB-5FD1-7649-BCB2-B650BEE73BDA}"/>
+              </a:ext>
+            </a:extLst>
+          </p:cNvPr>
+          <p:cNvSpPr>
+            <a:spLocks noGrp="1"/>
+          </p:cNvSpPr>
+          <p:nvPr>
+            <p:ph type="title"/>
+          </p:nvPr>
+        </p:nvSpPr>
+        <p:spPr/>
+        <p:txBody>
+          <a:bodyPr/>
+          <a:lstStyle/>
+          <a:p>
+            <a:r>
+              <a:rPr kumimoji="1" lang="zh-CN" altLang="en-US" dirty="0"/>
+              <a:t>下一阶段计划</a:t>
+            </a:r>
+          </a:p>
+        </p:txBody>
+      </p:sp>
+      <p:sp>
+        <p:nvSpPr>
+          <p:cNvPr id="3" name="内容占位符 2">
+            <a:extLst>
+              <a:ext uri="{FF2B5EF4-FFF2-40B4-BE49-F238E27FC236}">
+                <a16:creationId xmlns:a16="http://schemas.microsoft.com/office/drawing/2014/main" id="{5C684353-B74C-1F4F-A593-91F3ABC50871}"/>
+              </a:ext>
+            </a:extLst>
+          </p:cNvPr>
+          <p:cNvSpPr>
+            <a:spLocks noGrp="1"/>
+          </p:cNvSpPr>
+          <p:nvPr>
+            <p:ph idx="1"/>
+          </p:nvPr>
+        </p:nvSpPr>
+        <p:spPr/>
+        <p:txBody>
+          <a:bodyPr/>
+          <a:lstStyle/>
+          <a:p>
+            <a:r>
+              <a:rPr kumimoji="1" lang="zh-CN" altLang="en-US" dirty="0"/>
+              <a:t>在游戏中进一步测试云游戏平台</a:t>
+            </a:r>
+            <a:endParaRPr kumimoji="1" lang="en-US" altLang="zh-CN" dirty="0"/>
+          </a:p>
+          <a:p>
+            <a:r>
+              <a:rPr kumimoji="1" lang="zh-CN" altLang="en-US" dirty="0"/>
+              <a:t>理解</a:t>
+            </a:r>
+            <a:r>
+              <a:rPr kumimoji="1" lang="en-US" altLang="zh-CN" dirty="0" err="1"/>
+              <a:t>nvdia</a:t>
+            </a:r>
+            <a:r>
+              <a:rPr kumimoji="1" lang="zh-CN" altLang="en-US" dirty="0"/>
+              <a:t>的</a:t>
+            </a:r>
+            <a:r>
+              <a:rPr kumimoji="1" lang="en-US" altLang="zh-CN" dirty="0" err="1"/>
+              <a:t>api</a:t>
+            </a:r>
+            <a:r>
+              <a:rPr kumimoji="1" lang="zh-CN" altLang="en-US" dirty="0"/>
+              <a:t>在游戏通讯中的作用（应该和</a:t>
+            </a:r>
+            <a:r>
+              <a:rPr kumimoji="1" lang="zh-CN" altLang="en-US"/>
+              <a:t>音视频编码有关）</a:t>
+            </a:r>
+            <a:endParaRPr kumimoji="1" lang="en-US" altLang="zh-CN" dirty="0"/>
+          </a:p>
+          <a:p>
+            <a:r>
+              <a:rPr kumimoji="1" lang="zh-CN" altLang="en-US" dirty="0"/>
+              <a:t>理解</a:t>
+            </a:r>
+            <a:r>
+              <a:rPr kumimoji="1" lang="en-US" altLang="zh-CN" dirty="0" err="1"/>
+              <a:t>dtp</a:t>
+            </a:r>
+            <a:r>
+              <a:rPr kumimoji="1" lang="zh-CN" altLang="en-US" dirty="0"/>
+              <a:t>协议和</a:t>
+            </a:r>
+            <a:r>
+              <a:rPr kumimoji="1" lang="en-US" altLang="zh-CN" dirty="0" err="1"/>
+              <a:t>cge</a:t>
+            </a:r>
+            <a:r>
+              <a:rPr kumimoji="1" lang="zh-CN" altLang="en-US" dirty="0"/>
+              <a:t>内的</a:t>
+            </a:r>
+            <a:r>
+              <a:rPr kumimoji="1" lang="en-US" altLang="zh-CN" dirty="0" err="1"/>
+              <a:t>websocket</a:t>
+            </a:r>
+            <a:r>
+              <a:rPr kumimoji="1" lang="zh-CN" altLang="en-US" dirty="0"/>
+              <a:t>和</a:t>
+            </a:r>
+            <a:r>
+              <a:rPr kumimoji="1" lang="en-US" altLang="zh-CN" dirty="0" err="1"/>
+              <a:t>udp</a:t>
+            </a:r>
+            <a:r>
+              <a:rPr kumimoji="1" lang="zh-CN" altLang="en-US" dirty="0"/>
+              <a:t>协议的接口的兼容性</a:t>
+            </a:r>
+            <a:endParaRPr kumimoji="1" lang="en-US" altLang="zh-CN" dirty="0"/>
+          </a:p>
+          <a:p>
+            <a:r>
+              <a:rPr kumimoji="1" lang="en-US" altLang="zh-CN" dirty="0" err="1"/>
+              <a:t>regame</a:t>
+            </a:r>
+            <a:r>
+              <a:rPr kumimoji="1" lang="zh-CN" altLang="en-US" dirty="0"/>
+              <a:t>底层使用</a:t>
+            </a:r>
+            <a:r>
+              <a:rPr kumimoji="1" lang="en-US" altLang="zh-CN" dirty="0"/>
+              <a:t>boost</a:t>
+            </a:r>
+            <a:r>
+              <a:rPr kumimoji="1" lang="zh-CN" altLang="en-US" dirty="0"/>
+              <a:t>库，并且只使用了简单的</a:t>
+            </a:r>
+            <a:r>
+              <a:rPr kumimoji="1" lang="en-US" altLang="zh-CN" dirty="0" err="1"/>
+              <a:t>udp</a:t>
+            </a:r>
+            <a:r>
+              <a:rPr kumimoji="1" lang="zh-CN" altLang="en-US" dirty="0"/>
+              <a:t>和</a:t>
+            </a:r>
+            <a:r>
+              <a:rPr kumimoji="1" lang="en-US" altLang="zh-CN" dirty="0" err="1"/>
+              <a:t>ws</a:t>
+            </a:r>
+            <a:r>
+              <a:rPr kumimoji="1" lang="zh-CN" altLang="en-US" dirty="0"/>
+              <a:t>收发函数，我们考虑直接替换调用的接口，与</a:t>
+            </a:r>
+            <a:r>
+              <a:rPr kumimoji="1" lang="en-US" altLang="zh-CN" dirty="0"/>
+              <a:t>DTP</a:t>
+            </a:r>
+            <a:r>
+              <a:rPr kumimoji="1" lang="zh-CN" altLang="en-US" dirty="0"/>
+              <a:t>的接口兼容</a:t>
+            </a:r>
+            <a:endParaRPr kumimoji="1" lang="en-US" altLang="zh-CN" dirty="0"/>
+          </a:p>
+          <a:p>
+            <a:r>
+              <a:rPr kumimoji="1" lang="zh-CN" altLang="en-US" dirty="0"/>
+              <a:t>先按照相同优先级实现，初步测试替换效果</a:t>
+            </a:r>
+            <a:endParaRPr kumimoji="1" lang="en-US" altLang="zh-CN" dirty="0"/>
+          </a:p>
+          <a:p>
+            <a:r>
+              <a:rPr kumimoji="1" lang="zh-CN" altLang="en-US" dirty="0"/>
+              <a:t>再应用简单的优先级和生存时间策略，测试效果</a:t>
+            </a:r>
+            <a:endParaRPr kumimoji="1" lang="en-US" altLang="zh-CN" dirty="0"/>
+          </a:p>
+          <a:p>
+            <a:r>
+              <a:rPr kumimoji="1" lang="zh-CN" altLang="en-US" dirty="0"/>
+              <a:t>原接口</a:t>
+            </a:r>
+            <a:r>
+              <a:rPr kumimoji="1" lang="en-US" altLang="zh-CN" dirty="0" err="1"/>
+              <a:t>ws</a:t>
+            </a:r>
+            <a:r>
+              <a:rPr kumimoji="1" lang="zh-CN" altLang="en-US" dirty="0"/>
+              <a:t>传输音视频，</a:t>
+            </a:r>
+            <a:r>
+              <a:rPr kumimoji="1" lang="en-US" altLang="zh-CN" dirty="0" err="1"/>
+              <a:t>udp</a:t>
+            </a:r>
+            <a:r>
+              <a:rPr kumimoji="1" lang="zh-CN" altLang="en-US" dirty="0"/>
+              <a:t>传输操作数据，</a:t>
+            </a:r>
+            <a:r>
+              <a:rPr kumimoji="1" lang="en-US" altLang="zh-CN" dirty="0" err="1"/>
+              <a:t>udp</a:t>
+            </a:r>
+            <a:r>
+              <a:rPr kumimoji="1" lang="zh-CN" altLang="en-US" dirty="0"/>
+              <a:t>部分传输的数据有较高优先级，</a:t>
+            </a:r>
+            <a:r>
+              <a:rPr kumimoji="1" lang="en-US" altLang="zh-CN" dirty="0"/>
+              <a:t> </a:t>
+            </a:r>
+            <a:r>
+              <a:rPr kumimoji="1" lang="en-US" altLang="zh-CN" dirty="0" err="1"/>
+              <a:t>ws</a:t>
+            </a:r>
+            <a:r>
+              <a:rPr kumimoji="1" lang="zh-CN" altLang="en-US" dirty="0"/>
+              <a:t>传输的音视频可以有较短的生存时间</a:t>
+            </a:r>
+            <a:endParaRPr kumimoji="1" lang="en-US" altLang="zh-CN" dirty="0"/>
+          </a:p>
+          <a:p>
+            <a:endParaRPr kumimoji="1" lang="en-US" altLang="zh-CN" dirty="0"/>
+          </a:p>
+          <a:p>
+            <a:endParaRPr kumimoji="1" lang="zh-CN" altLang="en-US" dirty="0"/>
+          </a:p>
+        </p:txBody>
+      </p:sp>
+    </p:spTree>
+    <p:extLst>
+      <p:ext uri="{BB962C8B-B14F-4D97-AF65-F5344CB8AC3E}">
+        <p14:creationId xmlns:p14="http://schemas.microsoft.com/office/powerpoint/2010/main" val="4103515340"/>
+      </p:ext>
+    </p:extLst>
+  </p:cSld>
+  <p:clrMapOvr>
+    <a:masterClrMapping/>
+  </p:clrMapOvr>
+</p:sld>
+</file>
+
 <file path=ppt/slides/slide2.xml><?xml version="1.0" encoding="utf-8"?>
 <p:sld xmlns:a="http://schemas.openxmlformats.org/drawingml/2006/main" xmlns:r="http://schemas.openxmlformats.org/officeDocument/2006/relationships" xmlns:p="http://schemas.openxmlformats.org/presentationml/2006/main">
   <p:cSld>
